--- a/doc/HPAWithDQN.pptx
+++ b/doc/HPAWithDQN.pptx
@@ -3375,27 +3375,7 @@
                 <a:effectLst/>
                 <a:latin typeface="Arial" panose="020B0604020202020204" pitchFamily="34" charset="0"/>
               </a:rPr>
-              <a:t>Autoescalado horizontal en Kubernetes </a:t>
-            </a:r>
-            <a:r>
-              <a:rPr lang="es-ES" b="1" kern="0" dirty="0">
-                <a:solidFill>
-                  <a:srgbClr val="365F91"/>
-                </a:solidFill>
-                <a:effectLst/>
-                <a:latin typeface="Arial" panose="020B0604020202020204" pitchFamily="34" charset="0"/>
-              </a:rPr>
-              <a:t>con</a:t>
-            </a:r>
-            <a:r>
-              <a:rPr lang="es-ES" sz="2000" b="1" kern="0" dirty="0">
-                <a:solidFill>
-                  <a:srgbClr val="365F91"/>
-                </a:solidFill>
-                <a:effectLst/>
-                <a:latin typeface="Arial" panose="020B0604020202020204" pitchFamily="34" charset="0"/>
-              </a:rPr>
-              <a:t> Aprendizaje por Refuerzo</a:t>
+              <a:t>Autoescalado horizontal de Pods en Kubernetes con Aprendizaje por Refuerzo</a:t>
             </a:r>
             <a:endParaRPr lang="es-ES" sz="2000" b="1" kern="0" dirty="0">
               <a:effectLst/>
@@ -6110,7 +6090,7 @@
           <a:p>
             <a:r>
               <a:rPr lang="es-ES" sz="2400" b="1" dirty="0"/>
-              <a:t>Conclusiones y nuevas líneas de exploración</a:t>
+              <a:t>Conclusiones y futuras líneas de exploración</a:t>
             </a:r>
           </a:p>
         </p:txBody>
@@ -6415,8 +6395,8 @@
         </p:nvSpPr>
         <p:spPr>
           <a:xfrm>
-            <a:off x="7568826" y="1676265"/>
-            <a:ext cx="2591568" cy="369332"/>
+            <a:off x="7204364" y="1676265"/>
+            <a:ext cx="3362036" cy="369332"/>
           </a:xfrm>
           <a:prstGeom prst="rect">
             <a:avLst/>
@@ -6431,7 +6411,7 @@
           <a:p>
             <a:r>
               <a:rPr lang="es-ES" b="1" dirty="0"/>
-              <a:t>Líneas de exploración</a:t>
+              <a:t>Futuras líneas de exploración</a:t>
             </a:r>
           </a:p>
         </p:txBody>

--- a/doc/HPAWithDQN.pptx
+++ b/doc/HPAWithDQN.pptx
@@ -11,16 +11,15 @@
     <p:sldId id="258" r:id="rId5"/>
     <p:sldId id="260" r:id="rId6"/>
     <p:sldId id="264" r:id="rId7"/>
-    <p:sldId id="263" r:id="rId8"/>
-    <p:sldId id="259" r:id="rId9"/>
-    <p:sldId id="267" r:id="rId10"/>
-    <p:sldId id="273" r:id="rId11"/>
-    <p:sldId id="272" r:id="rId12"/>
-    <p:sldId id="265" r:id="rId13"/>
-    <p:sldId id="268" r:id="rId14"/>
-    <p:sldId id="269" r:id="rId15"/>
-    <p:sldId id="270" r:id="rId16"/>
-    <p:sldId id="271" r:id="rId17"/>
+    <p:sldId id="259" r:id="rId8"/>
+    <p:sldId id="267" r:id="rId9"/>
+    <p:sldId id="273" r:id="rId10"/>
+    <p:sldId id="272" r:id="rId11"/>
+    <p:sldId id="265" r:id="rId12"/>
+    <p:sldId id="268" r:id="rId13"/>
+    <p:sldId id="269" r:id="rId14"/>
+    <p:sldId id="270" r:id="rId15"/>
+    <p:sldId id="271" r:id="rId16"/>
   </p:sldIdLst>
   <p:sldSz cx="12192000" cy="6858000"/>
   <p:notesSz cx="6858000" cy="9144000"/>
@@ -3556,10 +3555,10 @@
       </p:grpSpPr>
       <p:pic>
         <p:nvPicPr>
-          <p:cNvPr id="4" name="Imagen 3">
-            <a:extLst>
-              <a:ext uri="{FF2B5EF4-FFF2-40B4-BE49-F238E27FC236}">
-                <a16:creationId xmlns:a16="http://schemas.microsoft.com/office/drawing/2014/main" id="{BC5EF3D7-39B0-45E6-A1FF-F4B47C0737BA}"/>
+          <p:cNvPr id="5" name="Imagen 4">
+            <a:extLst>
+              <a:ext uri="{FF2B5EF4-FFF2-40B4-BE49-F238E27FC236}">
+                <a16:creationId xmlns:a16="http://schemas.microsoft.com/office/drawing/2014/main" id="{1524325B-DA88-4668-88E2-0D4C25DEA074}"/>
               </a:ext>
             </a:extLst>
           </p:cNvPr>
@@ -3576,8 +3575,8 @@
         </p:blipFill>
         <p:spPr>
           <a:xfrm>
-            <a:off x="577266" y="5359628"/>
-            <a:ext cx="11296738" cy="1402034"/>
+            <a:off x="1212532" y="2018217"/>
+            <a:ext cx="5345679" cy="3034665"/>
           </a:xfrm>
           <a:prstGeom prst="rect">
             <a:avLst/>
@@ -3586,14 +3585,16 @@
       </p:pic>
       <p:pic>
         <p:nvPicPr>
-          <p:cNvPr id="7" name="Imagen 6" descr="Texto&#10;&#10;Descripción generada automáticamente con confianza media">
-            <a:extLst>
-              <a:ext uri="{FF2B5EF4-FFF2-40B4-BE49-F238E27FC236}">
-                <a16:creationId xmlns:a16="http://schemas.microsoft.com/office/drawing/2014/main" id="{522F3205-AB50-49D8-8AAE-7D167D24477E}"/>
-              </a:ext>
-            </a:extLst>
-          </p:cNvPr>
-          <p:cNvPicPr/>
+          <p:cNvPr id="7" name="Imagen 6">
+            <a:extLst>
+              <a:ext uri="{FF2B5EF4-FFF2-40B4-BE49-F238E27FC236}">
+                <a16:creationId xmlns:a16="http://schemas.microsoft.com/office/drawing/2014/main" id="{141923E9-6BDD-4E70-BF13-E62A963179EB}"/>
+              </a:ext>
+            </a:extLst>
+          </p:cNvPr>
+          <p:cNvPicPr>
+            <a:picLocks noChangeAspect="1"/>
+          </p:cNvPicPr>
           <p:nvPr/>
         </p:nvPicPr>
         <p:blipFill>
@@ -3604,6 +3605,69 @@
         </p:blipFill>
         <p:spPr>
           <a:xfrm>
+            <a:off x="7909560" y="2106672"/>
+            <a:ext cx="2362200" cy="2762250"/>
+          </a:xfrm>
+          <a:prstGeom prst="rect">
+            <a:avLst/>
+          </a:prstGeom>
+        </p:spPr>
+      </p:pic>
+      <p:sp>
+        <p:nvSpPr>
+          <p:cNvPr id="10" name="CuadroTexto 9">
+            <a:extLst>
+              <a:ext uri="{FF2B5EF4-FFF2-40B4-BE49-F238E27FC236}">
+                <a16:creationId xmlns:a16="http://schemas.microsoft.com/office/drawing/2014/main" id="{2AB37186-B156-4B19-85C3-26622A603AD5}"/>
+              </a:ext>
+            </a:extLst>
+          </p:cNvPr>
+          <p:cNvSpPr txBox="1"/>
+          <p:nvPr/>
+        </p:nvSpPr>
+        <p:spPr>
+          <a:xfrm>
+            <a:off x="4137661" y="487681"/>
+            <a:ext cx="4400550" cy="461665"/>
+          </a:xfrm>
+          <a:prstGeom prst="rect">
+            <a:avLst/>
+          </a:prstGeom>
+          <a:noFill/>
+        </p:spPr>
+        <p:txBody>
+          <a:bodyPr wrap="square" rtlCol="0">
+            <a:spAutoFit/>
+          </a:bodyPr>
+          <a:lstStyle/>
+          <a:p>
+            <a:r>
+              <a:rPr lang="es-ES" sz="2400" b="1" dirty="0"/>
+              <a:t>Recompensas y penalizaciones</a:t>
+            </a:r>
+          </a:p>
+        </p:txBody>
+      </p:sp>
+      <p:pic>
+        <p:nvPicPr>
+          <p:cNvPr id="11" name="Imagen 10" descr="Texto&#10;&#10;Descripción generada automáticamente con confianza media">
+            <a:extLst>
+              <a:ext uri="{FF2B5EF4-FFF2-40B4-BE49-F238E27FC236}">
+                <a16:creationId xmlns:a16="http://schemas.microsoft.com/office/drawing/2014/main" id="{9ED741D8-01FC-4F1A-BE9B-A78B8C6265BF}"/>
+              </a:ext>
+            </a:extLst>
+          </p:cNvPr>
+          <p:cNvPicPr/>
+          <p:nvPr/>
+        </p:nvPicPr>
+        <p:blipFill>
+          <a:blip r:embed="rId4"/>
+          <a:stretch>
+            <a:fillRect/>
+          </a:stretch>
+        </p:blipFill>
+        <p:spPr>
+          <a:xfrm>
             <a:off x="67627" y="66675"/>
             <a:ext cx="1629728" cy="514350"/>
           </a:xfrm>
@@ -3614,10 +3678,10 @@
       </p:pic>
       <p:sp>
         <p:nvSpPr>
-          <p:cNvPr id="8" name="CuadroTexto 7">
-            <a:extLst>
-              <a:ext uri="{FF2B5EF4-FFF2-40B4-BE49-F238E27FC236}">
-                <a16:creationId xmlns:a16="http://schemas.microsoft.com/office/drawing/2014/main" id="{FBF8CEED-FFDF-4705-B3C0-BD2C8BC16A4F}"/>
+          <p:cNvPr id="12" name="CuadroTexto 11">
+            <a:extLst>
+              <a:ext uri="{FF2B5EF4-FFF2-40B4-BE49-F238E27FC236}">
+                <a16:creationId xmlns:a16="http://schemas.microsoft.com/office/drawing/2014/main" id="{A5650A20-5AEB-4250-9363-C184CC2D64E2}"/>
               </a:ext>
             </a:extLst>
           </p:cNvPr>
@@ -3657,10 +3721,295 @@
       </p:sp>
       <p:sp>
         <p:nvSpPr>
+          <p:cNvPr id="9" name="CuadroTexto 8">
+            <a:extLst>
+              <a:ext uri="{FF2B5EF4-FFF2-40B4-BE49-F238E27FC236}">
+                <a16:creationId xmlns:a16="http://schemas.microsoft.com/office/drawing/2014/main" id="{B915B83E-C6AF-4DAE-9B5E-3CA129DFAB1D}"/>
+              </a:ext>
+            </a:extLst>
+          </p:cNvPr>
+          <p:cNvSpPr txBox="1"/>
+          <p:nvPr/>
+        </p:nvSpPr>
+        <p:spPr>
+          <a:xfrm>
+            <a:off x="1157448" y="1270906"/>
+            <a:ext cx="8097536" cy="646331"/>
+          </a:xfrm>
+          <a:prstGeom prst="rect">
+            <a:avLst/>
+          </a:prstGeom>
+          <a:noFill/>
+        </p:spPr>
+        <p:txBody>
+          <a:bodyPr wrap="square" rtlCol="0">
+            <a:spAutoFit/>
+          </a:bodyPr>
+          <a:lstStyle/>
+          <a:p>
+            <a:pPr marL="285750" indent="-285750">
+              <a:buFont typeface="Arial" panose="020B0604020202020204" pitchFamily="34" charset="0"/>
+              <a:buChar char="•"/>
+            </a:pPr>
+            <a:r>
+              <a:rPr lang="es-ES" dirty="0"/>
+              <a:t>Modelamos las recompensas mediante una tabla</a:t>
+            </a:r>
+          </a:p>
+          <a:p>
+            <a:pPr marL="285750" indent="-285750">
+              <a:buFont typeface="Arial" panose="020B0604020202020204" pitchFamily="34" charset="0"/>
+              <a:buChar char="•"/>
+            </a:pPr>
+            <a:r>
+              <a:rPr lang="es-ES" dirty="0"/>
+              <a:t>Traducimos el vector estado a una clave para la tabla de recompensas</a:t>
+            </a:r>
+          </a:p>
+        </p:txBody>
+      </p:sp>
+      <p:sp>
+        <p:nvSpPr>
+          <p:cNvPr id="13" name="CuadroTexto 12">
+            <a:extLst>
+              <a:ext uri="{FF2B5EF4-FFF2-40B4-BE49-F238E27FC236}">
+                <a16:creationId xmlns:a16="http://schemas.microsoft.com/office/drawing/2014/main" id="{0DDBB995-0329-48D2-94AA-67FB910B205C}"/>
+              </a:ext>
+            </a:extLst>
+          </p:cNvPr>
+          <p:cNvSpPr txBox="1"/>
+          <p:nvPr/>
+        </p:nvSpPr>
+        <p:spPr>
+          <a:xfrm>
+            <a:off x="1221712" y="4882609"/>
+            <a:ext cx="8097536" cy="2308324"/>
+          </a:xfrm>
+          <a:prstGeom prst="rect">
+            <a:avLst/>
+          </a:prstGeom>
+          <a:noFill/>
+        </p:spPr>
+        <p:txBody>
+          <a:bodyPr wrap="square" rtlCol="0">
+            <a:spAutoFit/>
+          </a:bodyPr>
+          <a:lstStyle/>
+          <a:p>
+            <a:pPr marL="285750" indent="-285750">
+              <a:buFont typeface="Arial" panose="020B0604020202020204" pitchFamily="34" charset="0"/>
+              <a:buChar char="•"/>
+            </a:pPr>
+            <a:r>
+              <a:rPr lang="es-ES" dirty="0"/>
+              <a:t>Pros: </a:t>
+            </a:r>
+          </a:p>
+          <a:p>
+            <a:pPr marL="742950" lvl="1" indent="-285750">
+              <a:buFont typeface="Arial" panose="020B0604020202020204" pitchFamily="34" charset="0"/>
+              <a:buChar char="•"/>
+            </a:pPr>
+            <a:r>
+              <a:rPr lang="es-ES" dirty="0"/>
+              <a:t>Sencillez</a:t>
+            </a:r>
+          </a:p>
+          <a:p>
+            <a:pPr marL="742950" lvl="1" indent="-285750">
+              <a:buFont typeface="Arial" panose="020B0604020202020204" pitchFamily="34" charset="0"/>
+              <a:buChar char="•"/>
+            </a:pPr>
+            <a:r>
+              <a:rPr lang="es-ES" dirty="0"/>
+              <a:t>La clave es independiente del número de pods máximo</a:t>
+            </a:r>
+          </a:p>
+          <a:p>
+            <a:pPr marL="742950" lvl="1" indent="-285750">
+              <a:buFont typeface="Arial" panose="020B0604020202020204" pitchFamily="34" charset="0"/>
+              <a:buChar char="•"/>
+            </a:pPr>
+            <a:r>
+              <a:rPr lang="es-ES" dirty="0"/>
+              <a:t>Granularidad</a:t>
+            </a:r>
+          </a:p>
+          <a:p>
+            <a:pPr marL="285750" indent="-285750">
+              <a:buFont typeface="Arial" panose="020B0604020202020204" pitchFamily="34" charset="0"/>
+              <a:buChar char="•"/>
+            </a:pPr>
+            <a:r>
+              <a:rPr lang="es-ES" dirty="0"/>
+              <a:t>Contras: </a:t>
+            </a:r>
+          </a:p>
+          <a:p>
+            <a:pPr marL="742950" lvl="1" indent="-285750">
+              <a:buFont typeface="Arial" panose="020B0604020202020204" pitchFamily="34" charset="0"/>
+              <a:buChar char="•"/>
+            </a:pPr>
+            <a:r>
+              <a:rPr lang="es-ES" dirty="0"/>
+              <a:t>Rigidez y Escalabilidad si aumenta el número de pods máximo.</a:t>
+            </a:r>
+          </a:p>
+          <a:p>
+            <a:pPr lvl="1"/>
+            <a:endParaRPr lang="es-ES" dirty="0"/>
+          </a:p>
+          <a:p>
+            <a:pPr marL="285750" indent="-285750">
+              <a:buFont typeface="Arial" panose="020B0604020202020204" pitchFamily="34" charset="0"/>
+              <a:buChar char="•"/>
+            </a:pPr>
+            <a:endParaRPr lang="es-ES" dirty="0"/>
+          </a:p>
+        </p:txBody>
+      </p:sp>
+    </p:spTree>
+    <p:extLst>
+      <p:ext uri="{BB962C8B-B14F-4D97-AF65-F5344CB8AC3E}">
+        <p14:creationId xmlns:p14="http://schemas.microsoft.com/office/powerpoint/2010/main" val="3628896935"/>
+      </p:ext>
+    </p:extLst>
+  </p:cSld>
+  <p:clrMapOvr>
+    <a:masterClrMapping/>
+  </p:clrMapOvr>
+</p:sld>
+</file>
+
+<file path=ppt/slides/slide11.xml><?xml version="1.0" encoding="utf-8"?>
+<p:sld xmlns:a="http://schemas.openxmlformats.org/drawingml/2006/main" xmlns:r="http://schemas.openxmlformats.org/officeDocument/2006/relationships" xmlns:p="http://schemas.openxmlformats.org/presentationml/2006/main">
+  <p:cSld>
+    <p:spTree>
+      <p:nvGrpSpPr>
+        <p:cNvPr id="1" name=""/>
+        <p:cNvGrpSpPr/>
+        <p:nvPr/>
+      </p:nvGrpSpPr>
+      <p:grpSpPr>
+        <a:xfrm>
+          <a:off x="0" y="0"/>
+          <a:ext cx="0" cy="0"/>
+          <a:chOff x="0" y="0"/>
+          <a:chExt cx="0" cy="0"/>
+        </a:xfrm>
+      </p:grpSpPr>
+      <p:sp>
+        <p:nvSpPr>
+          <p:cNvPr id="5" name="CuadroTexto 4">
+            <a:extLst>
+              <a:ext uri="{FF2B5EF4-FFF2-40B4-BE49-F238E27FC236}">
+                <a16:creationId xmlns:a16="http://schemas.microsoft.com/office/drawing/2014/main" id="{3940953D-F142-4EB5-8C10-7B446165DCB7}"/>
+              </a:ext>
+            </a:extLst>
+          </p:cNvPr>
+          <p:cNvSpPr txBox="1"/>
+          <p:nvPr/>
+        </p:nvSpPr>
+        <p:spPr>
+          <a:xfrm>
+            <a:off x="4715219" y="443614"/>
+            <a:ext cx="2170323" cy="461665"/>
+          </a:xfrm>
+          <a:prstGeom prst="rect">
+            <a:avLst/>
+          </a:prstGeom>
+          <a:noFill/>
+        </p:spPr>
+        <p:txBody>
+          <a:bodyPr wrap="square" rtlCol="0">
+            <a:spAutoFit/>
+          </a:bodyPr>
+          <a:lstStyle/>
+          <a:p>
+            <a:r>
+              <a:rPr lang="es-ES" sz="2400" b="1" dirty="0"/>
+              <a:t>Entrenamiento</a:t>
+            </a:r>
+          </a:p>
+        </p:txBody>
+      </p:sp>
+      <p:pic>
+        <p:nvPicPr>
+          <p:cNvPr id="6" name="Imagen 5" descr="Texto&#10;&#10;Descripción generada automáticamente con confianza media">
+            <a:extLst>
+              <a:ext uri="{FF2B5EF4-FFF2-40B4-BE49-F238E27FC236}">
+                <a16:creationId xmlns:a16="http://schemas.microsoft.com/office/drawing/2014/main" id="{24D8E9F1-6253-4A03-A310-C7536A8A0383}"/>
+              </a:ext>
+            </a:extLst>
+          </p:cNvPr>
+          <p:cNvPicPr/>
+          <p:nvPr/>
+        </p:nvPicPr>
+        <p:blipFill>
+          <a:blip r:embed="rId2"/>
+          <a:stretch>
+            <a:fillRect/>
+          </a:stretch>
+        </p:blipFill>
+        <p:spPr>
+          <a:xfrm>
+            <a:off x="67627" y="66675"/>
+            <a:ext cx="1629728" cy="514350"/>
+          </a:xfrm>
+          <a:prstGeom prst="rect">
+            <a:avLst/>
+          </a:prstGeom>
+        </p:spPr>
+      </p:pic>
+      <p:sp>
+        <p:nvSpPr>
+          <p:cNvPr id="9" name="CuadroTexto 8">
+            <a:extLst>
+              <a:ext uri="{FF2B5EF4-FFF2-40B4-BE49-F238E27FC236}">
+                <a16:creationId xmlns:a16="http://schemas.microsoft.com/office/drawing/2014/main" id="{A640E466-38CB-4D33-91DC-45CF9DF513F7}"/>
+              </a:ext>
+            </a:extLst>
+          </p:cNvPr>
+          <p:cNvSpPr txBox="1"/>
+          <p:nvPr/>
+        </p:nvSpPr>
+        <p:spPr>
+          <a:xfrm>
+            <a:off x="9886949" y="9525"/>
+            <a:ext cx="2263141" cy="338554"/>
+          </a:xfrm>
+          <a:prstGeom prst="rect">
+            <a:avLst/>
+          </a:prstGeom>
+          <a:noFill/>
+        </p:spPr>
+        <p:txBody>
+          <a:bodyPr wrap="square" rtlCol="0">
+            <a:spAutoFit/>
+          </a:bodyPr>
+          <a:lstStyle/>
+          <a:p>
+            <a:r>
+              <a:rPr lang="es-ES" sz="1600" dirty="0">
+                <a:solidFill>
+                  <a:srgbClr val="4F81BD"/>
+                </a:solidFill>
+                <a:effectLst/>
+                <a:latin typeface="Arial" panose="020B0604020202020204" pitchFamily="34" charset="0"/>
+                <a:ea typeface="Arial" panose="020B0604020202020204" pitchFamily="34" charset="0"/>
+              </a:rPr>
+              <a:t>Master Deep Learning</a:t>
+            </a:r>
+            <a:endParaRPr lang="es-ES" sz="1600" dirty="0"/>
+          </a:p>
+        </p:txBody>
+      </p:sp>
+      <p:sp>
+        <p:nvSpPr>
           <p:cNvPr id="2" name="Rectangle 2">
             <a:extLst>
               <a:ext uri="{FF2B5EF4-FFF2-40B4-BE49-F238E27FC236}">
-                <a16:creationId xmlns:a16="http://schemas.microsoft.com/office/drawing/2014/main" id="{E5640DBE-BBDA-42C4-8BD9-7E755B08B925}"/>
+                <a16:creationId xmlns:a16="http://schemas.microsoft.com/office/drawing/2014/main" id="{842579C9-6570-48BF-B76C-BDE90046A6DA}"/>
               </a:ext>
             </a:extLst>
           </p:cNvPr>
@@ -3671,7 +4020,7 @@
         </p:nvSpPr>
         <p:spPr bwMode="auto">
           <a:xfrm>
-            <a:off x="5989320" y="872183"/>
+            <a:off x="360218" y="1699491"/>
             <a:ext cx="12192000" cy="0"/>
           </a:xfrm>
           <a:prstGeom prst="rect">
@@ -3724,728 +4073,6 @@
           </a:p>
         </p:txBody>
       </p:sp>
-      <p:pic>
-        <p:nvPicPr>
-          <p:cNvPr id="11" name="Imagen 10">
-            <a:extLst>
-              <a:ext uri="{FF2B5EF4-FFF2-40B4-BE49-F238E27FC236}">
-                <a16:creationId xmlns:a16="http://schemas.microsoft.com/office/drawing/2014/main" id="{26FC918D-9E9D-4723-A244-E57FF0A63C83}"/>
-              </a:ext>
-            </a:extLst>
-          </p:cNvPr>
-          <p:cNvPicPr>
-            <a:picLocks noChangeAspect="1"/>
-          </p:cNvPicPr>
-          <p:nvPr/>
-        </p:nvPicPr>
-        <p:blipFill>
-          <a:blip r:embed="rId4"/>
-          <a:stretch>
-            <a:fillRect/>
-          </a:stretch>
-        </p:blipFill>
-        <p:spPr>
-          <a:xfrm>
-            <a:off x="5631338" y="1650287"/>
-            <a:ext cx="6242666" cy="2561487"/>
-          </a:xfrm>
-          <a:prstGeom prst="rect">
-            <a:avLst/>
-          </a:prstGeom>
-        </p:spPr>
-      </p:pic>
-      <p:sp>
-        <p:nvSpPr>
-          <p:cNvPr id="13" name="CuadroTexto 12">
-            <a:extLst>
-              <a:ext uri="{FF2B5EF4-FFF2-40B4-BE49-F238E27FC236}">
-                <a16:creationId xmlns:a16="http://schemas.microsoft.com/office/drawing/2014/main" id="{8715AEC9-EDCD-486C-B6B3-5A156F7C51EB}"/>
-              </a:ext>
-            </a:extLst>
-          </p:cNvPr>
-          <p:cNvSpPr txBox="1"/>
-          <p:nvPr/>
-        </p:nvSpPr>
-        <p:spPr>
-          <a:xfrm>
-            <a:off x="4907454" y="547044"/>
-            <a:ext cx="2590626" cy="461665"/>
-          </a:xfrm>
-          <a:prstGeom prst="rect">
-            <a:avLst/>
-          </a:prstGeom>
-          <a:noFill/>
-        </p:spPr>
-        <p:txBody>
-          <a:bodyPr wrap="square" rtlCol="0">
-            <a:spAutoFit/>
-          </a:bodyPr>
-          <a:lstStyle/>
-          <a:p>
-            <a:r>
-              <a:rPr lang="es-ES" sz="2400" b="1" dirty="0"/>
-              <a:t>Acciones: Entorno</a:t>
-            </a:r>
-          </a:p>
-        </p:txBody>
-      </p:sp>
-      <p:sp>
-        <p:nvSpPr>
-          <p:cNvPr id="3" name="CuadroTexto 2">
-            <a:extLst>
-              <a:ext uri="{FF2B5EF4-FFF2-40B4-BE49-F238E27FC236}">
-                <a16:creationId xmlns:a16="http://schemas.microsoft.com/office/drawing/2014/main" id="{F64AC057-662D-4B2D-A741-64E49F110706}"/>
-              </a:ext>
-            </a:extLst>
-          </p:cNvPr>
-          <p:cNvSpPr txBox="1"/>
-          <p:nvPr/>
-        </p:nvSpPr>
-        <p:spPr>
-          <a:xfrm>
-            <a:off x="440675" y="1163364"/>
-            <a:ext cx="4880471" cy="3970318"/>
-          </a:xfrm>
-          <a:prstGeom prst="rect">
-            <a:avLst/>
-          </a:prstGeom>
-          <a:noFill/>
-        </p:spPr>
-        <p:txBody>
-          <a:bodyPr wrap="square" rtlCol="0">
-            <a:spAutoFit/>
-          </a:bodyPr>
-          <a:lstStyle/>
-          <a:p>
-            <a:pPr marL="285750" indent="-285750">
-              <a:buFont typeface="Arial" panose="020B0604020202020204" pitchFamily="34" charset="0"/>
-              <a:buChar char="•"/>
-            </a:pPr>
-            <a:r>
-              <a:rPr lang="es-ES" dirty="0"/>
-              <a:t>El agente transmite al entorno la acción a realizar mediante la función “step” de este</a:t>
-            </a:r>
-          </a:p>
-          <a:p>
-            <a:pPr marL="285750" indent="-285750">
-              <a:buFont typeface="Arial" panose="020B0604020202020204" pitchFamily="34" charset="0"/>
-              <a:buChar char="•"/>
-            </a:pPr>
-            <a:endParaRPr lang="es-ES" dirty="0"/>
-          </a:p>
-          <a:p>
-            <a:pPr marL="285750" indent="-285750">
-              <a:buFont typeface="Arial" panose="020B0604020202020204" pitchFamily="34" charset="0"/>
-              <a:buChar char="•"/>
-            </a:pPr>
-            <a:r>
-              <a:rPr lang="es-ES" dirty="0"/>
-              <a:t>Esta ejecuta la acción en Kubernetes invocando el comando correspondiente</a:t>
-            </a:r>
-          </a:p>
-          <a:p>
-            <a:pPr marL="285750" indent="-285750">
-              <a:buFont typeface="Arial" panose="020B0604020202020204" pitchFamily="34" charset="0"/>
-              <a:buChar char="•"/>
-            </a:pPr>
-            <a:endParaRPr lang="es-ES" dirty="0"/>
-          </a:p>
-          <a:p>
-            <a:pPr marL="285750" indent="-285750">
-              <a:buFont typeface="Arial" panose="020B0604020202020204" pitchFamily="34" charset="0"/>
-              <a:buChar char="•"/>
-            </a:pPr>
-            <a:r>
-              <a:rPr lang="es-ES" dirty="0"/>
-              <a:t>Se hace una espera de 20 segundos para permitir a Kubernetes establecer el nuevo estado</a:t>
-            </a:r>
-          </a:p>
-          <a:p>
-            <a:pPr marL="285750" indent="-285750">
-              <a:buFont typeface="Arial" panose="020B0604020202020204" pitchFamily="34" charset="0"/>
-              <a:buChar char="•"/>
-            </a:pPr>
-            <a:endParaRPr lang="es-ES" dirty="0"/>
-          </a:p>
-          <a:p>
-            <a:pPr marL="285750" indent="-285750">
-              <a:buFont typeface="Arial" panose="020B0604020202020204" pitchFamily="34" charset="0"/>
-              <a:buChar char="•"/>
-            </a:pPr>
-            <a:r>
-              <a:rPr lang="es-ES" dirty="0"/>
-              <a:t>Calcula la recompensa en función del estado y la acción tomada</a:t>
-            </a:r>
-          </a:p>
-          <a:p>
-            <a:pPr marL="285750" indent="-285750">
-              <a:buFont typeface="Arial" panose="020B0604020202020204" pitchFamily="34" charset="0"/>
-              <a:buChar char="•"/>
-            </a:pPr>
-            <a:endParaRPr lang="es-ES" dirty="0"/>
-          </a:p>
-          <a:p>
-            <a:pPr marL="285750" indent="-285750">
-              <a:buFont typeface="Arial" panose="020B0604020202020204" pitchFamily="34" charset="0"/>
-              <a:buChar char="•"/>
-            </a:pPr>
-            <a:r>
-              <a:rPr lang="es-ES" dirty="0"/>
-              <a:t>Devuelve la recompensa y el nuevo estado</a:t>
-            </a:r>
-          </a:p>
-        </p:txBody>
-      </p:sp>
-    </p:spTree>
-    <p:extLst>
-      <p:ext uri="{BB962C8B-B14F-4D97-AF65-F5344CB8AC3E}">
-        <p14:creationId xmlns:p14="http://schemas.microsoft.com/office/powerpoint/2010/main" val="1045987835"/>
-      </p:ext>
-    </p:extLst>
-  </p:cSld>
-  <p:clrMapOvr>
-    <a:masterClrMapping/>
-  </p:clrMapOvr>
-</p:sld>
-</file>
-
-<file path=ppt/slides/slide11.xml><?xml version="1.0" encoding="utf-8"?>
-<p:sld xmlns:a="http://schemas.openxmlformats.org/drawingml/2006/main" xmlns:r="http://schemas.openxmlformats.org/officeDocument/2006/relationships" xmlns:p="http://schemas.openxmlformats.org/presentationml/2006/main">
-  <p:cSld>
-    <p:spTree>
-      <p:nvGrpSpPr>
-        <p:cNvPr id="1" name=""/>
-        <p:cNvGrpSpPr/>
-        <p:nvPr/>
-      </p:nvGrpSpPr>
-      <p:grpSpPr>
-        <a:xfrm>
-          <a:off x="0" y="0"/>
-          <a:ext cx="0" cy="0"/>
-          <a:chOff x="0" y="0"/>
-          <a:chExt cx="0" cy="0"/>
-        </a:xfrm>
-      </p:grpSpPr>
-      <p:pic>
-        <p:nvPicPr>
-          <p:cNvPr id="5" name="Imagen 4">
-            <a:extLst>
-              <a:ext uri="{FF2B5EF4-FFF2-40B4-BE49-F238E27FC236}">
-                <a16:creationId xmlns:a16="http://schemas.microsoft.com/office/drawing/2014/main" id="{1524325B-DA88-4668-88E2-0D4C25DEA074}"/>
-              </a:ext>
-            </a:extLst>
-          </p:cNvPr>
-          <p:cNvPicPr>
-            <a:picLocks noChangeAspect="1"/>
-          </p:cNvPicPr>
-          <p:nvPr/>
-        </p:nvPicPr>
-        <p:blipFill>
-          <a:blip r:embed="rId2"/>
-          <a:stretch>
-            <a:fillRect/>
-          </a:stretch>
-        </p:blipFill>
-        <p:spPr>
-          <a:xfrm>
-            <a:off x="1212532" y="2018217"/>
-            <a:ext cx="5345679" cy="3034665"/>
-          </a:xfrm>
-          <a:prstGeom prst="rect">
-            <a:avLst/>
-          </a:prstGeom>
-        </p:spPr>
-      </p:pic>
-      <p:pic>
-        <p:nvPicPr>
-          <p:cNvPr id="7" name="Imagen 6">
-            <a:extLst>
-              <a:ext uri="{FF2B5EF4-FFF2-40B4-BE49-F238E27FC236}">
-                <a16:creationId xmlns:a16="http://schemas.microsoft.com/office/drawing/2014/main" id="{141923E9-6BDD-4E70-BF13-E62A963179EB}"/>
-              </a:ext>
-            </a:extLst>
-          </p:cNvPr>
-          <p:cNvPicPr>
-            <a:picLocks noChangeAspect="1"/>
-          </p:cNvPicPr>
-          <p:nvPr/>
-        </p:nvPicPr>
-        <p:blipFill>
-          <a:blip r:embed="rId3"/>
-          <a:stretch>
-            <a:fillRect/>
-          </a:stretch>
-        </p:blipFill>
-        <p:spPr>
-          <a:xfrm>
-            <a:off x="7909560" y="2106672"/>
-            <a:ext cx="2362200" cy="2762250"/>
-          </a:xfrm>
-          <a:prstGeom prst="rect">
-            <a:avLst/>
-          </a:prstGeom>
-        </p:spPr>
-      </p:pic>
-      <p:sp>
-        <p:nvSpPr>
-          <p:cNvPr id="10" name="CuadroTexto 9">
-            <a:extLst>
-              <a:ext uri="{FF2B5EF4-FFF2-40B4-BE49-F238E27FC236}">
-                <a16:creationId xmlns:a16="http://schemas.microsoft.com/office/drawing/2014/main" id="{2AB37186-B156-4B19-85C3-26622A603AD5}"/>
-              </a:ext>
-            </a:extLst>
-          </p:cNvPr>
-          <p:cNvSpPr txBox="1"/>
-          <p:nvPr/>
-        </p:nvSpPr>
-        <p:spPr>
-          <a:xfrm>
-            <a:off x="4137661" y="487681"/>
-            <a:ext cx="4400550" cy="461665"/>
-          </a:xfrm>
-          <a:prstGeom prst="rect">
-            <a:avLst/>
-          </a:prstGeom>
-          <a:noFill/>
-        </p:spPr>
-        <p:txBody>
-          <a:bodyPr wrap="square" rtlCol="0">
-            <a:spAutoFit/>
-          </a:bodyPr>
-          <a:lstStyle/>
-          <a:p>
-            <a:r>
-              <a:rPr lang="es-ES" sz="2400" b="1" dirty="0"/>
-              <a:t>Recompensas y penalizaciones</a:t>
-            </a:r>
-          </a:p>
-        </p:txBody>
-      </p:sp>
-      <p:pic>
-        <p:nvPicPr>
-          <p:cNvPr id="11" name="Imagen 10" descr="Texto&#10;&#10;Descripción generada automáticamente con confianza media">
-            <a:extLst>
-              <a:ext uri="{FF2B5EF4-FFF2-40B4-BE49-F238E27FC236}">
-                <a16:creationId xmlns:a16="http://schemas.microsoft.com/office/drawing/2014/main" id="{9ED741D8-01FC-4F1A-BE9B-A78B8C6265BF}"/>
-              </a:ext>
-            </a:extLst>
-          </p:cNvPr>
-          <p:cNvPicPr/>
-          <p:nvPr/>
-        </p:nvPicPr>
-        <p:blipFill>
-          <a:blip r:embed="rId4"/>
-          <a:stretch>
-            <a:fillRect/>
-          </a:stretch>
-        </p:blipFill>
-        <p:spPr>
-          <a:xfrm>
-            <a:off x="67627" y="66675"/>
-            <a:ext cx="1629728" cy="514350"/>
-          </a:xfrm>
-          <a:prstGeom prst="rect">
-            <a:avLst/>
-          </a:prstGeom>
-        </p:spPr>
-      </p:pic>
-      <p:sp>
-        <p:nvSpPr>
-          <p:cNvPr id="12" name="CuadroTexto 11">
-            <a:extLst>
-              <a:ext uri="{FF2B5EF4-FFF2-40B4-BE49-F238E27FC236}">
-                <a16:creationId xmlns:a16="http://schemas.microsoft.com/office/drawing/2014/main" id="{A5650A20-5AEB-4250-9363-C184CC2D64E2}"/>
-              </a:ext>
-            </a:extLst>
-          </p:cNvPr>
-          <p:cNvSpPr txBox="1"/>
-          <p:nvPr/>
-        </p:nvSpPr>
-        <p:spPr>
-          <a:xfrm>
-            <a:off x="9886949" y="9525"/>
-            <a:ext cx="2263141" cy="338554"/>
-          </a:xfrm>
-          <a:prstGeom prst="rect">
-            <a:avLst/>
-          </a:prstGeom>
-          <a:noFill/>
-        </p:spPr>
-        <p:txBody>
-          <a:bodyPr wrap="square" rtlCol="0">
-            <a:spAutoFit/>
-          </a:bodyPr>
-          <a:lstStyle/>
-          <a:p>
-            <a:r>
-              <a:rPr lang="es-ES" sz="1600" dirty="0">
-                <a:solidFill>
-                  <a:srgbClr val="4F81BD"/>
-                </a:solidFill>
-                <a:effectLst/>
-                <a:latin typeface="Arial" panose="020B0604020202020204" pitchFamily="34" charset="0"/>
-                <a:ea typeface="Arial" panose="020B0604020202020204" pitchFamily="34" charset="0"/>
-              </a:rPr>
-              <a:t>Master Deep Learning</a:t>
-            </a:r>
-            <a:endParaRPr lang="es-ES" sz="1600" dirty="0"/>
-          </a:p>
-        </p:txBody>
-      </p:sp>
-      <p:sp>
-        <p:nvSpPr>
-          <p:cNvPr id="9" name="CuadroTexto 8">
-            <a:extLst>
-              <a:ext uri="{FF2B5EF4-FFF2-40B4-BE49-F238E27FC236}">
-                <a16:creationId xmlns:a16="http://schemas.microsoft.com/office/drawing/2014/main" id="{B915B83E-C6AF-4DAE-9B5E-3CA129DFAB1D}"/>
-              </a:ext>
-            </a:extLst>
-          </p:cNvPr>
-          <p:cNvSpPr txBox="1"/>
-          <p:nvPr/>
-        </p:nvSpPr>
-        <p:spPr>
-          <a:xfrm>
-            <a:off x="1157448" y="1270906"/>
-            <a:ext cx="8097536" cy="646331"/>
-          </a:xfrm>
-          <a:prstGeom prst="rect">
-            <a:avLst/>
-          </a:prstGeom>
-          <a:noFill/>
-        </p:spPr>
-        <p:txBody>
-          <a:bodyPr wrap="square" rtlCol="0">
-            <a:spAutoFit/>
-          </a:bodyPr>
-          <a:lstStyle/>
-          <a:p>
-            <a:pPr marL="285750" indent="-285750">
-              <a:buFont typeface="Arial" panose="020B0604020202020204" pitchFamily="34" charset="0"/>
-              <a:buChar char="•"/>
-            </a:pPr>
-            <a:r>
-              <a:rPr lang="es-ES" dirty="0"/>
-              <a:t>Modelamos las recompensas mediante una tabla</a:t>
-            </a:r>
-          </a:p>
-          <a:p>
-            <a:pPr marL="285750" indent="-285750">
-              <a:buFont typeface="Arial" panose="020B0604020202020204" pitchFamily="34" charset="0"/>
-              <a:buChar char="•"/>
-            </a:pPr>
-            <a:r>
-              <a:rPr lang="es-ES" dirty="0"/>
-              <a:t>Traducimos el vector estado a una clave para la tabla de recompensas</a:t>
-            </a:r>
-          </a:p>
-        </p:txBody>
-      </p:sp>
-      <p:sp>
-        <p:nvSpPr>
-          <p:cNvPr id="13" name="CuadroTexto 12">
-            <a:extLst>
-              <a:ext uri="{FF2B5EF4-FFF2-40B4-BE49-F238E27FC236}">
-                <a16:creationId xmlns:a16="http://schemas.microsoft.com/office/drawing/2014/main" id="{0DDBB995-0329-48D2-94AA-67FB910B205C}"/>
-              </a:ext>
-            </a:extLst>
-          </p:cNvPr>
-          <p:cNvSpPr txBox="1"/>
-          <p:nvPr/>
-        </p:nvSpPr>
-        <p:spPr>
-          <a:xfrm>
-            <a:off x="1221712" y="4882609"/>
-            <a:ext cx="8097536" cy="2308324"/>
-          </a:xfrm>
-          <a:prstGeom prst="rect">
-            <a:avLst/>
-          </a:prstGeom>
-          <a:noFill/>
-        </p:spPr>
-        <p:txBody>
-          <a:bodyPr wrap="square" rtlCol="0">
-            <a:spAutoFit/>
-          </a:bodyPr>
-          <a:lstStyle/>
-          <a:p>
-            <a:pPr marL="285750" indent="-285750">
-              <a:buFont typeface="Arial" panose="020B0604020202020204" pitchFamily="34" charset="0"/>
-              <a:buChar char="•"/>
-            </a:pPr>
-            <a:r>
-              <a:rPr lang="es-ES" dirty="0"/>
-              <a:t>Pros: </a:t>
-            </a:r>
-          </a:p>
-          <a:p>
-            <a:pPr marL="742950" lvl="1" indent="-285750">
-              <a:buFont typeface="Arial" panose="020B0604020202020204" pitchFamily="34" charset="0"/>
-              <a:buChar char="•"/>
-            </a:pPr>
-            <a:r>
-              <a:rPr lang="es-ES" dirty="0"/>
-              <a:t>Sencillez</a:t>
-            </a:r>
-          </a:p>
-          <a:p>
-            <a:pPr marL="742950" lvl="1" indent="-285750">
-              <a:buFont typeface="Arial" panose="020B0604020202020204" pitchFamily="34" charset="0"/>
-              <a:buChar char="•"/>
-            </a:pPr>
-            <a:r>
-              <a:rPr lang="es-ES" dirty="0"/>
-              <a:t>La clave es independiente del número de pods máximo</a:t>
-            </a:r>
-          </a:p>
-          <a:p>
-            <a:pPr marL="742950" lvl="1" indent="-285750">
-              <a:buFont typeface="Arial" panose="020B0604020202020204" pitchFamily="34" charset="0"/>
-              <a:buChar char="•"/>
-            </a:pPr>
-            <a:r>
-              <a:rPr lang="es-ES" dirty="0"/>
-              <a:t>Granularidad</a:t>
-            </a:r>
-          </a:p>
-          <a:p>
-            <a:pPr marL="285750" indent="-285750">
-              <a:buFont typeface="Arial" panose="020B0604020202020204" pitchFamily="34" charset="0"/>
-              <a:buChar char="•"/>
-            </a:pPr>
-            <a:r>
-              <a:rPr lang="es-ES" dirty="0"/>
-              <a:t>Contras: </a:t>
-            </a:r>
-          </a:p>
-          <a:p>
-            <a:pPr marL="742950" lvl="1" indent="-285750">
-              <a:buFont typeface="Arial" panose="020B0604020202020204" pitchFamily="34" charset="0"/>
-              <a:buChar char="•"/>
-            </a:pPr>
-            <a:r>
-              <a:rPr lang="es-ES" dirty="0"/>
-              <a:t>Rigidez y Escalabilidad si aumenta el número de pods máximo.</a:t>
-            </a:r>
-          </a:p>
-          <a:p>
-            <a:pPr lvl="1"/>
-            <a:endParaRPr lang="es-ES" dirty="0"/>
-          </a:p>
-          <a:p>
-            <a:pPr marL="285750" indent="-285750">
-              <a:buFont typeface="Arial" panose="020B0604020202020204" pitchFamily="34" charset="0"/>
-              <a:buChar char="•"/>
-            </a:pPr>
-            <a:endParaRPr lang="es-ES" dirty="0"/>
-          </a:p>
-        </p:txBody>
-      </p:sp>
-    </p:spTree>
-    <p:extLst>
-      <p:ext uri="{BB962C8B-B14F-4D97-AF65-F5344CB8AC3E}">
-        <p14:creationId xmlns:p14="http://schemas.microsoft.com/office/powerpoint/2010/main" val="3628896935"/>
-      </p:ext>
-    </p:extLst>
-  </p:cSld>
-  <p:clrMapOvr>
-    <a:masterClrMapping/>
-  </p:clrMapOvr>
-</p:sld>
-</file>
-
-<file path=ppt/slides/slide12.xml><?xml version="1.0" encoding="utf-8"?>
-<p:sld xmlns:a="http://schemas.openxmlformats.org/drawingml/2006/main" xmlns:r="http://schemas.openxmlformats.org/officeDocument/2006/relationships" xmlns:p="http://schemas.openxmlformats.org/presentationml/2006/main">
-  <p:cSld>
-    <p:spTree>
-      <p:nvGrpSpPr>
-        <p:cNvPr id="1" name=""/>
-        <p:cNvGrpSpPr/>
-        <p:nvPr/>
-      </p:nvGrpSpPr>
-      <p:grpSpPr>
-        <a:xfrm>
-          <a:off x="0" y="0"/>
-          <a:ext cx="0" cy="0"/>
-          <a:chOff x="0" y="0"/>
-          <a:chExt cx="0" cy="0"/>
-        </a:xfrm>
-      </p:grpSpPr>
-      <p:sp>
-        <p:nvSpPr>
-          <p:cNvPr id="5" name="CuadroTexto 4">
-            <a:extLst>
-              <a:ext uri="{FF2B5EF4-FFF2-40B4-BE49-F238E27FC236}">
-                <a16:creationId xmlns:a16="http://schemas.microsoft.com/office/drawing/2014/main" id="{3940953D-F142-4EB5-8C10-7B446165DCB7}"/>
-              </a:ext>
-            </a:extLst>
-          </p:cNvPr>
-          <p:cNvSpPr txBox="1"/>
-          <p:nvPr/>
-        </p:nvSpPr>
-        <p:spPr>
-          <a:xfrm>
-            <a:off x="4715219" y="443614"/>
-            <a:ext cx="2170323" cy="461665"/>
-          </a:xfrm>
-          <a:prstGeom prst="rect">
-            <a:avLst/>
-          </a:prstGeom>
-          <a:noFill/>
-        </p:spPr>
-        <p:txBody>
-          <a:bodyPr wrap="square" rtlCol="0">
-            <a:spAutoFit/>
-          </a:bodyPr>
-          <a:lstStyle/>
-          <a:p>
-            <a:r>
-              <a:rPr lang="es-ES" sz="2400" b="1" dirty="0"/>
-              <a:t>Entrenamiento</a:t>
-            </a:r>
-          </a:p>
-        </p:txBody>
-      </p:sp>
-      <p:pic>
-        <p:nvPicPr>
-          <p:cNvPr id="6" name="Imagen 5" descr="Texto&#10;&#10;Descripción generada automáticamente con confianza media">
-            <a:extLst>
-              <a:ext uri="{FF2B5EF4-FFF2-40B4-BE49-F238E27FC236}">
-                <a16:creationId xmlns:a16="http://schemas.microsoft.com/office/drawing/2014/main" id="{24D8E9F1-6253-4A03-A310-C7536A8A0383}"/>
-              </a:ext>
-            </a:extLst>
-          </p:cNvPr>
-          <p:cNvPicPr/>
-          <p:nvPr/>
-        </p:nvPicPr>
-        <p:blipFill>
-          <a:blip r:embed="rId2"/>
-          <a:stretch>
-            <a:fillRect/>
-          </a:stretch>
-        </p:blipFill>
-        <p:spPr>
-          <a:xfrm>
-            <a:off x="67627" y="66675"/>
-            <a:ext cx="1629728" cy="514350"/>
-          </a:xfrm>
-          <a:prstGeom prst="rect">
-            <a:avLst/>
-          </a:prstGeom>
-        </p:spPr>
-      </p:pic>
-      <p:sp>
-        <p:nvSpPr>
-          <p:cNvPr id="9" name="CuadroTexto 8">
-            <a:extLst>
-              <a:ext uri="{FF2B5EF4-FFF2-40B4-BE49-F238E27FC236}">
-                <a16:creationId xmlns:a16="http://schemas.microsoft.com/office/drawing/2014/main" id="{A640E466-38CB-4D33-91DC-45CF9DF513F7}"/>
-              </a:ext>
-            </a:extLst>
-          </p:cNvPr>
-          <p:cNvSpPr txBox="1"/>
-          <p:nvPr/>
-        </p:nvSpPr>
-        <p:spPr>
-          <a:xfrm>
-            <a:off x="9886949" y="9525"/>
-            <a:ext cx="2263141" cy="338554"/>
-          </a:xfrm>
-          <a:prstGeom prst="rect">
-            <a:avLst/>
-          </a:prstGeom>
-          <a:noFill/>
-        </p:spPr>
-        <p:txBody>
-          <a:bodyPr wrap="square" rtlCol="0">
-            <a:spAutoFit/>
-          </a:bodyPr>
-          <a:lstStyle/>
-          <a:p>
-            <a:r>
-              <a:rPr lang="es-ES" sz="1600" dirty="0">
-                <a:solidFill>
-                  <a:srgbClr val="4F81BD"/>
-                </a:solidFill>
-                <a:effectLst/>
-                <a:latin typeface="Arial" panose="020B0604020202020204" pitchFamily="34" charset="0"/>
-                <a:ea typeface="Arial" panose="020B0604020202020204" pitchFamily="34" charset="0"/>
-              </a:rPr>
-              <a:t>Master Deep Learning</a:t>
-            </a:r>
-            <a:endParaRPr lang="es-ES" sz="1600" dirty="0"/>
-          </a:p>
-        </p:txBody>
-      </p:sp>
-      <p:sp>
-        <p:nvSpPr>
-          <p:cNvPr id="2" name="Rectangle 2">
-            <a:extLst>
-              <a:ext uri="{FF2B5EF4-FFF2-40B4-BE49-F238E27FC236}">
-                <a16:creationId xmlns:a16="http://schemas.microsoft.com/office/drawing/2014/main" id="{842579C9-6570-48BF-B76C-BDE90046A6DA}"/>
-              </a:ext>
-            </a:extLst>
-          </p:cNvPr>
-          <p:cNvSpPr>
-            <a:spLocks noChangeArrowheads="1"/>
-          </p:cNvSpPr>
-          <p:nvPr/>
-        </p:nvSpPr>
-        <p:spPr bwMode="auto">
-          <a:xfrm>
-            <a:off x="360218" y="1699491"/>
-            <a:ext cx="12192000" cy="0"/>
-          </a:xfrm>
-          <a:prstGeom prst="rect">
-            <a:avLst/>
-          </a:prstGeom>
-          <a:noFill/>
-          <a:ln>
-            <a:noFill/>
-          </a:ln>
-          <a:effectLst/>
-          <a:extLst>
-            <a:ext uri="{909E8E84-426E-40DD-AFC4-6F175D3DCCD1}">
-              <a14:hiddenFill xmlns:a14="http://schemas.microsoft.com/office/drawing/2010/main">
-                <a:solidFill>
-                  <a:schemeClr val="accent1"/>
-                </a:solidFill>
-              </a14:hiddenFill>
-            </a:ext>
-            <a:ext uri="{91240B29-F687-4F45-9708-019B960494DF}">
-              <a14:hiddenLine xmlns:a14="http://schemas.microsoft.com/office/drawing/2010/main" w="9525">
-                <a:solidFill>
-                  <a:schemeClr val="tx1"/>
-                </a:solidFill>
-                <a:miter lim="800000"/>
-                <a:headEnd/>
-                <a:tailEnd/>
-              </a14:hiddenLine>
-            </a:ext>
-            <a:ext uri="{AF507438-7753-43E0-B8FC-AC1667EBCBE1}">
-              <a14:hiddenEffects xmlns:a14="http://schemas.microsoft.com/office/drawing/2010/main">
-                <a:effectLst>
-                  <a:outerShdw dist="35921" dir="2700000" algn="ctr" rotWithShape="0">
-                    <a:schemeClr val="bg2"/>
-                  </a:outerShdw>
-                </a:effectLst>
-              </a14:hiddenEffects>
-            </a:ext>
-          </a:extLst>
-        </p:spPr>
-        <p:txBody>
-          <a:bodyPr vert="horz" wrap="none" lIns="91440" tIns="45720" rIns="91440" bIns="45720" numCol="1" anchor="ctr" anchorCtr="0" compatLnSpc="1">
-            <a:prstTxWarp prst="textNoShape">
-              <a:avLst/>
-            </a:prstTxWarp>
-            <a:spAutoFit/>
-          </a:bodyPr>
-          <a:lstStyle/>
-          <a:p>
-            <a:endParaRPr lang="es-ES"/>
-          </a:p>
-        </p:txBody>
-      </p:sp>
       <p:graphicFrame>
         <p:nvGraphicFramePr>
           <p:cNvPr id="10" name="Objeto 9">
@@ -4461,13 +4088,13 @@
           <p:nvPr>
             <p:extLst>
               <p:ext uri="{D42A27DB-BD31-4B8C-83A1-F6EECF244321}">
-                <p14:modId xmlns:p14="http://schemas.microsoft.com/office/powerpoint/2010/main" val="644126272"/>
+                <p14:modId xmlns:p14="http://schemas.microsoft.com/office/powerpoint/2010/main" val="2626436414"/>
               </p:ext>
             </p:extLst>
           </p:nvPr>
         </p:nvGraphicFramePr>
         <p:xfrm>
-          <a:off x="360218" y="2013523"/>
+          <a:off x="157018" y="1542468"/>
           <a:ext cx="5400675" cy="4682839"/>
         </p:xfrm>
         <a:graphic>
@@ -4504,7 +4131,7 @@
                     </p:blipFill>
                     <p:spPr bwMode="auto">
                       <a:xfrm>
-                        <a:off x="360218" y="2013523"/>
+                        <a:off x="157018" y="1542468"/>
                         <a:ext cx="5400675" cy="4682839"/>
                       </a:xfrm>
                       <a:prstGeom prst="rect">
@@ -4603,13 +4230,13 @@
           <p:nvPr>
             <p:extLst>
               <p:ext uri="{D42A27DB-BD31-4B8C-83A1-F6EECF244321}">
-                <p14:modId xmlns:p14="http://schemas.microsoft.com/office/powerpoint/2010/main" val="2062565540"/>
+                <p14:modId xmlns:p14="http://schemas.microsoft.com/office/powerpoint/2010/main" val="1186666971"/>
               </p:ext>
             </p:extLst>
           </p:nvPr>
         </p:nvGraphicFramePr>
         <p:xfrm>
-          <a:off x="6216073" y="2914362"/>
+          <a:off x="6733726" y="2424832"/>
           <a:ext cx="5400675" cy="3800475"/>
         </p:xfrm>
         <a:graphic>
@@ -4646,7 +4273,7 @@
                     </p:blipFill>
                     <p:spPr bwMode="auto">
                       <a:xfrm>
-                        <a:off x="6216073" y="2914362"/>
+                        <a:off x="6733726" y="2424832"/>
                         <a:ext cx="5400675" cy="3800475"/>
                       </a:xfrm>
                       <a:prstGeom prst="rect">
@@ -4692,7 +4319,7 @@
         </p:blipFill>
         <p:spPr>
           <a:xfrm>
-            <a:off x="6561600" y="2162160"/>
+            <a:off x="7115782" y="1542468"/>
             <a:ext cx="4636565" cy="635331"/>
           </a:xfrm>
           <a:prstGeom prst="rect">
@@ -4700,55 +4327,82 @@
           </a:prstGeom>
         </p:spPr>
       </p:pic>
-      <p:sp>
-        <p:nvSpPr>
-          <p:cNvPr id="14" name="CuadroTexto 13">
-            <a:extLst>
-              <a:ext uri="{FF2B5EF4-FFF2-40B4-BE49-F238E27FC236}">
-                <a16:creationId xmlns:a16="http://schemas.microsoft.com/office/drawing/2014/main" id="{80452897-67F4-4DEB-85A2-D9ADA0D6B005}"/>
-              </a:ext>
-            </a:extLst>
-          </p:cNvPr>
-          <p:cNvSpPr txBox="1"/>
-          <p:nvPr/>
-        </p:nvSpPr>
-        <p:spPr>
-          <a:xfrm>
-            <a:off x="417589" y="1057154"/>
-            <a:ext cx="10231942" cy="923330"/>
-          </a:xfrm>
-          <a:prstGeom prst="rect">
-            <a:avLst/>
-          </a:prstGeom>
-          <a:noFill/>
-        </p:spPr>
-        <p:txBody>
-          <a:bodyPr wrap="square" rtlCol="0">
-            <a:spAutoFit/>
-          </a:bodyPr>
-          <a:lstStyle/>
-          <a:p>
-            <a:pPr marL="285750" indent="-285750">
-              <a:buFont typeface="Arial" panose="020B0604020202020204" pitchFamily="34" charset="0"/>
-              <a:buChar char="•"/>
-            </a:pPr>
-            <a:r>
-              <a:rPr lang="es-ES" dirty="0"/>
-              <a:t>Entrenamos el modelo mediante episodios de determinado número de pasos</a:t>
-            </a:r>
-          </a:p>
-          <a:p>
-            <a:pPr marL="285750" indent="-285750">
-              <a:buFont typeface="Arial" panose="020B0604020202020204" pitchFamily="34" charset="0"/>
-              <a:buChar char="•"/>
-            </a:pPr>
-            <a:r>
-              <a:rPr lang="es-ES" dirty="0"/>
-              <a:t>Cada cierto número de pasos obtenemos una muestra del replay buffer, calculamos Q y ajustamos los pesos de la red</a:t>
-            </a:r>
-          </a:p>
-        </p:txBody>
-      </p:sp>
+      <p:cxnSp>
+        <p:nvCxnSpPr>
+          <p:cNvPr id="4" name="Conector recto 3">
+            <a:extLst>
+              <a:ext uri="{FF2B5EF4-FFF2-40B4-BE49-F238E27FC236}">
+                <a16:creationId xmlns:a16="http://schemas.microsoft.com/office/drawing/2014/main" id="{0F3525BE-BABA-413C-BC18-532876833571}"/>
+              </a:ext>
+            </a:extLst>
+          </p:cNvPr>
+          <p:cNvCxnSpPr>
+            <a:cxnSpLocks/>
+          </p:cNvCxnSpPr>
+          <p:nvPr/>
+        </p:nvCxnSpPr>
+        <p:spPr>
+          <a:xfrm flipV="1">
+            <a:off x="2857355" y="2650837"/>
+            <a:ext cx="3876371" cy="2727178"/>
+          </a:xfrm>
+          <a:prstGeom prst="line">
+            <a:avLst/>
+          </a:prstGeom>
+        </p:spPr>
+        <p:style>
+          <a:lnRef idx="3">
+            <a:schemeClr val="accent2"/>
+          </a:lnRef>
+          <a:fillRef idx="0">
+            <a:schemeClr val="accent2"/>
+          </a:fillRef>
+          <a:effectRef idx="2">
+            <a:schemeClr val="accent2"/>
+          </a:effectRef>
+          <a:fontRef idx="minor">
+            <a:schemeClr val="tx1"/>
+          </a:fontRef>
+        </p:style>
+      </p:cxnSp>
+      <p:cxnSp>
+        <p:nvCxnSpPr>
+          <p:cNvPr id="15" name="Conector recto 14">
+            <a:extLst>
+              <a:ext uri="{FF2B5EF4-FFF2-40B4-BE49-F238E27FC236}">
+                <a16:creationId xmlns:a16="http://schemas.microsoft.com/office/drawing/2014/main" id="{33B487E1-1975-4A10-8577-554F5D217D52}"/>
+              </a:ext>
+            </a:extLst>
+          </p:cNvPr>
+          <p:cNvCxnSpPr>
+            <a:cxnSpLocks/>
+          </p:cNvCxnSpPr>
+          <p:nvPr/>
+        </p:nvCxnSpPr>
+        <p:spPr>
+          <a:xfrm>
+            <a:off x="2857355" y="5502994"/>
+            <a:ext cx="3898988" cy="722313"/>
+          </a:xfrm>
+          <a:prstGeom prst="line">
+            <a:avLst/>
+          </a:prstGeom>
+        </p:spPr>
+        <p:style>
+          <a:lnRef idx="3">
+            <a:schemeClr val="accent2"/>
+          </a:lnRef>
+          <a:fillRef idx="0">
+            <a:schemeClr val="accent2"/>
+          </a:fillRef>
+          <a:effectRef idx="2">
+            <a:schemeClr val="accent2"/>
+          </a:effectRef>
+          <a:fontRef idx="minor">
+            <a:schemeClr val="tx1"/>
+          </a:fontRef>
+        </p:style>
+      </p:cxnSp>
     </p:spTree>
     <p:extLst>
       <p:ext uri="{BB962C8B-B14F-4D97-AF65-F5344CB8AC3E}">
@@ -4762,7 +4416,7 @@
 </p:sld>
 </file>
 
-<file path=ppt/slides/slide13.xml><?xml version="1.0" encoding="utf-8"?>
+<file path=ppt/slides/slide12.xml><?xml version="1.0" encoding="utf-8"?>
 <p:sld xmlns:a="http://schemas.openxmlformats.org/drawingml/2006/main" xmlns:r="http://schemas.openxmlformats.org/officeDocument/2006/relationships" xmlns:p="http://schemas.openxmlformats.org/presentationml/2006/main">
   <p:cSld>
     <p:spTree>
@@ -5046,7 +4700,7 @@
         </p:blipFill>
         <p:spPr>
           <a:xfrm>
-            <a:off x="641238" y="2437607"/>
+            <a:off x="641238" y="1791073"/>
             <a:ext cx="3371850" cy="2876550"/>
           </a:xfrm>
           <a:prstGeom prst="rect">
@@ -5076,7 +4730,7 @@
         </p:blipFill>
         <p:spPr>
           <a:xfrm>
-            <a:off x="4832639" y="1930832"/>
+            <a:off x="4832639" y="1764584"/>
             <a:ext cx="7181850" cy="4086225"/>
           </a:xfrm>
           <a:prstGeom prst="rect">
@@ -5084,6 +4738,76 @@
           </a:prstGeom>
         </p:spPr>
       </p:pic>
+      <p:sp>
+        <p:nvSpPr>
+          <p:cNvPr id="6" name="CuadroTexto 5">
+            <a:extLst>
+              <a:ext uri="{FF2B5EF4-FFF2-40B4-BE49-F238E27FC236}">
+                <a16:creationId xmlns:a16="http://schemas.microsoft.com/office/drawing/2014/main" id="{DBD0FA1D-4E42-445A-A511-B4EE1B2B3F53}"/>
+              </a:ext>
+            </a:extLst>
+          </p:cNvPr>
+          <p:cNvSpPr txBox="1"/>
+          <p:nvPr/>
+        </p:nvSpPr>
+        <p:spPr>
+          <a:xfrm>
+            <a:off x="720436" y="5043055"/>
+            <a:ext cx="3292652" cy="1200329"/>
+          </a:xfrm>
+          <a:prstGeom prst="rect">
+            <a:avLst/>
+          </a:prstGeom>
+          <a:noFill/>
+        </p:spPr>
+        <p:txBody>
+          <a:bodyPr wrap="square" rtlCol="0">
+            <a:spAutoFit/>
+          </a:bodyPr>
+          <a:lstStyle/>
+          <a:p>
+            <a:r>
+              <a:rPr lang="es-ES" dirty="0"/>
+              <a:t>Leemos el estado cada cierto número de segundos para comprobar cómo está actuando el HPA</a:t>
+            </a:r>
+          </a:p>
+        </p:txBody>
+      </p:sp>
+      <p:sp>
+        <p:nvSpPr>
+          <p:cNvPr id="12" name="CuadroTexto 11">
+            <a:extLst>
+              <a:ext uri="{FF2B5EF4-FFF2-40B4-BE49-F238E27FC236}">
+                <a16:creationId xmlns:a16="http://schemas.microsoft.com/office/drawing/2014/main" id="{CB871C0B-DEEE-48A5-A00C-C4BAF51E521B}"/>
+              </a:ext>
+            </a:extLst>
+          </p:cNvPr>
+          <p:cNvSpPr txBox="1"/>
+          <p:nvPr/>
+        </p:nvSpPr>
+        <p:spPr>
+          <a:xfrm>
+            <a:off x="4756727" y="5980545"/>
+            <a:ext cx="7257761" cy="369332"/>
+          </a:xfrm>
+          <a:prstGeom prst="rect">
+            <a:avLst/>
+          </a:prstGeom>
+          <a:noFill/>
+        </p:spPr>
+        <p:txBody>
+          <a:bodyPr wrap="square" rtlCol="0">
+            <a:spAutoFit/>
+          </a:bodyPr>
+          <a:lstStyle/>
+          <a:p>
+            <a:r>
+              <a:rPr lang="es-ES" dirty="0"/>
+              <a:t>Básicamente el mismo código pero sin la parte de entrenamiento del agente</a:t>
+            </a:r>
+          </a:p>
+        </p:txBody>
+      </p:sp>
     </p:spTree>
     <p:extLst>
       <p:ext uri="{BB962C8B-B14F-4D97-AF65-F5344CB8AC3E}">
@@ -5097,7 +4821,7 @@
 </p:sld>
 </file>
 
-<file path=ppt/slides/slide14.xml><?xml version="1.0" encoding="utf-8"?>
+<file path=ppt/slides/slide13.xml><?xml version="1.0" encoding="utf-8"?>
 <p:sld xmlns:a="http://schemas.openxmlformats.org/drawingml/2006/main" xmlns:r="http://schemas.openxmlformats.org/officeDocument/2006/relationships" xmlns:p="http://schemas.openxmlformats.org/presentationml/2006/main">
   <p:cSld>
     <p:spTree>
@@ -5631,7 +5355,7 @@
 </p:sld>
 </file>
 
-<file path=ppt/slides/slide15.xml><?xml version="1.0" encoding="utf-8"?>
+<file path=ppt/slides/slide14.xml><?xml version="1.0" encoding="utf-8"?>
 <p:sld xmlns:a="http://schemas.openxmlformats.org/drawingml/2006/main" xmlns:r="http://schemas.openxmlformats.org/officeDocument/2006/relationships" xmlns:p="http://schemas.openxmlformats.org/presentationml/2006/main">
   <p:cSld>
     <p:spTree>
@@ -6043,7 +5767,7 @@
 </p:sld>
 </file>
 
-<file path=ppt/slides/slide16.xml><?xml version="1.0" encoding="utf-8"?>
+<file path=ppt/slides/slide15.xml><?xml version="1.0" encoding="utf-8"?>
 <p:sld xmlns:a="http://schemas.openxmlformats.org/drawingml/2006/main" xmlns:r="http://schemas.openxmlformats.org/officeDocument/2006/relationships" xmlns:p="http://schemas.openxmlformats.org/presentationml/2006/main">
   <p:cSld>
     <p:spTree>
@@ -8014,12 +7738,47 @@
           <a:chExt cx="0" cy="0"/>
         </a:xfrm>
       </p:grpSpPr>
+      <p:sp>
+        <p:nvSpPr>
+          <p:cNvPr id="9" name="CuadroTexto 8">
+            <a:extLst>
+              <a:ext uri="{FF2B5EF4-FFF2-40B4-BE49-F238E27FC236}">
+                <a16:creationId xmlns:a16="http://schemas.microsoft.com/office/drawing/2014/main" id="{DDF7A8ED-46C7-4765-BF74-74BD3594954A}"/>
+              </a:ext>
+            </a:extLst>
+          </p:cNvPr>
+          <p:cNvSpPr txBox="1"/>
+          <p:nvPr/>
+        </p:nvSpPr>
+        <p:spPr>
+          <a:xfrm>
+            <a:off x="3192954" y="604194"/>
+            <a:ext cx="5711016" cy="461665"/>
+          </a:xfrm>
+          <a:prstGeom prst="rect">
+            <a:avLst/>
+          </a:prstGeom>
+          <a:noFill/>
+        </p:spPr>
+        <p:txBody>
+          <a:bodyPr wrap="square" rtlCol="0">
+            <a:spAutoFit/>
+          </a:bodyPr>
+          <a:lstStyle/>
+          <a:p>
+            <a:r>
+              <a:rPr lang="es-ES" sz="2400" b="1" dirty="0"/>
+              <a:t>Caracterización del Estado y discretización</a:t>
+            </a:r>
+          </a:p>
+        </p:txBody>
+      </p:sp>
       <p:pic>
         <p:nvPicPr>
-          <p:cNvPr id="7" name="Imagen 6">
-            <a:extLst>
-              <a:ext uri="{FF2B5EF4-FFF2-40B4-BE49-F238E27FC236}">
-                <a16:creationId xmlns:a16="http://schemas.microsoft.com/office/drawing/2014/main" id="{556E4CC3-6022-4A0C-9085-42EB2CB4E888}"/>
+          <p:cNvPr id="3" name="Imagen 2">
+            <a:extLst>
+              <a:ext uri="{FF2B5EF4-FFF2-40B4-BE49-F238E27FC236}">
+                <a16:creationId xmlns:a16="http://schemas.microsoft.com/office/drawing/2014/main" id="{7040DF93-EC43-416E-9940-D60A9CE3C2E5}"/>
               </a:ext>
             </a:extLst>
           </p:cNvPr>
@@ -8036,8 +7795,8 @@
         </p:blipFill>
         <p:spPr>
           <a:xfrm>
-            <a:off x="5493397" y="1708972"/>
-            <a:ext cx="5954130" cy="4420490"/>
+            <a:off x="370836" y="1703977"/>
+            <a:ext cx="5390665" cy="3348990"/>
           </a:xfrm>
           <a:prstGeom prst="rect">
             <a:avLst/>
@@ -8046,436 +7805,6 @@
       </p:pic>
       <p:sp>
         <p:nvSpPr>
-          <p:cNvPr id="9" name="CuadroTexto 8">
-            <a:extLst>
-              <a:ext uri="{FF2B5EF4-FFF2-40B4-BE49-F238E27FC236}">
-                <a16:creationId xmlns:a16="http://schemas.microsoft.com/office/drawing/2014/main" id="{90D46404-112F-4200-838F-3F6F9750DBBA}"/>
-              </a:ext>
-            </a:extLst>
-          </p:cNvPr>
-          <p:cNvSpPr txBox="1"/>
-          <p:nvPr/>
-        </p:nvSpPr>
-        <p:spPr>
-          <a:xfrm>
-            <a:off x="6217920" y="6312368"/>
-            <a:ext cx="5631180" cy="276999"/>
-          </a:xfrm>
-          <a:prstGeom prst="rect">
-            <a:avLst/>
-          </a:prstGeom>
-          <a:noFill/>
-        </p:spPr>
-        <p:txBody>
-          <a:bodyPr wrap="square">
-            <a:spAutoFit/>
-          </a:bodyPr>
-          <a:lstStyle/>
-          <a:p>
-            <a:r>
-              <a:rPr lang="es-ES" sz="1200" dirty="0"/>
-              <a:t>https://www.analyticsvidhya.com/blog/2019/04/introduction-deep-q-learning-python/</a:t>
-            </a:r>
-          </a:p>
-        </p:txBody>
-      </p:sp>
-      <p:pic>
-        <p:nvPicPr>
-          <p:cNvPr id="11" name="Imagen 10">
-            <a:extLst>
-              <a:ext uri="{FF2B5EF4-FFF2-40B4-BE49-F238E27FC236}">
-                <a16:creationId xmlns:a16="http://schemas.microsoft.com/office/drawing/2014/main" id="{A6FD1BDC-8489-46D7-9677-92D67FEFFDF5}"/>
-              </a:ext>
-            </a:extLst>
-          </p:cNvPr>
-          <p:cNvPicPr>
-            <a:picLocks noChangeAspect="1"/>
-          </p:cNvPicPr>
-          <p:nvPr/>
-        </p:nvPicPr>
-        <p:blipFill>
-          <a:blip r:embed="rId3"/>
-          <a:stretch>
-            <a:fillRect/>
-          </a:stretch>
-        </p:blipFill>
-        <p:spPr>
-          <a:xfrm>
-            <a:off x="6096000" y="3599336"/>
-            <a:ext cx="698381" cy="434022"/>
-          </a:xfrm>
-          <a:prstGeom prst="rect">
-            <a:avLst/>
-          </a:prstGeom>
-        </p:spPr>
-      </p:pic>
-      <p:pic>
-        <p:nvPicPr>
-          <p:cNvPr id="13" name="Imagen 12">
-            <a:extLst>
-              <a:ext uri="{FF2B5EF4-FFF2-40B4-BE49-F238E27FC236}">
-                <a16:creationId xmlns:a16="http://schemas.microsoft.com/office/drawing/2014/main" id="{121FD159-2B44-4ECD-80A2-8FECF84B678B}"/>
-              </a:ext>
-            </a:extLst>
-          </p:cNvPr>
-          <p:cNvPicPr>
-            <a:picLocks noChangeAspect="1"/>
-          </p:cNvPicPr>
-          <p:nvPr/>
-        </p:nvPicPr>
-        <p:blipFill>
-          <a:blip r:embed="rId3"/>
-          <a:stretch>
-            <a:fillRect/>
-          </a:stretch>
-        </p:blipFill>
-        <p:spPr>
-          <a:xfrm>
-            <a:off x="8946885" y="3599335"/>
-            <a:ext cx="698382" cy="434023"/>
-          </a:xfrm>
-          <a:prstGeom prst="rect">
-            <a:avLst/>
-          </a:prstGeom>
-        </p:spPr>
-      </p:pic>
-      <p:pic>
-        <p:nvPicPr>
-          <p:cNvPr id="21" name="Imagen 20">
-            <a:extLst>
-              <a:ext uri="{FF2B5EF4-FFF2-40B4-BE49-F238E27FC236}">
-                <a16:creationId xmlns:a16="http://schemas.microsoft.com/office/drawing/2014/main" id="{00FD2C65-D1C0-4649-8A08-1D441F7BD6CE}"/>
-              </a:ext>
-            </a:extLst>
-          </p:cNvPr>
-          <p:cNvPicPr>
-            <a:picLocks noChangeAspect="1"/>
-          </p:cNvPicPr>
-          <p:nvPr/>
-        </p:nvPicPr>
-        <p:blipFill>
-          <a:blip r:embed="rId4"/>
-          <a:stretch>
-            <a:fillRect/>
-          </a:stretch>
-        </p:blipFill>
-        <p:spPr>
-          <a:xfrm>
-            <a:off x="1306830" y="5274944"/>
-            <a:ext cx="3609975" cy="1095375"/>
-          </a:xfrm>
-          <a:prstGeom prst="rect">
-            <a:avLst/>
-          </a:prstGeom>
-        </p:spPr>
-      </p:pic>
-      <p:pic>
-        <p:nvPicPr>
-          <p:cNvPr id="25" name="Imagen 24">
-            <a:extLst>
-              <a:ext uri="{FF2B5EF4-FFF2-40B4-BE49-F238E27FC236}">
-                <a16:creationId xmlns:a16="http://schemas.microsoft.com/office/drawing/2014/main" id="{E0A63E11-5E5B-47C9-9D10-789E28AAEB9E}"/>
-              </a:ext>
-            </a:extLst>
-          </p:cNvPr>
-          <p:cNvPicPr>
-            <a:picLocks noChangeAspect="1"/>
-          </p:cNvPicPr>
-          <p:nvPr/>
-        </p:nvPicPr>
-        <p:blipFill>
-          <a:blip r:embed="rId5"/>
-          <a:stretch>
-            <a:fillRect/>
-          </a:stretch>
-        </p:blipFill>
-        <p:spPr>
-          <a:xfrm>
-            <a:off x="761152" y="2365365"/>
-            <a:ext cx="4636565" cy="635331"/>
-          </a:xfrm>
-          <a:prstGeom prst="rect">
-            <a:avLst/>
-          </a:prstGeom>
-        </p:spPr>
-      </p:pic>
-      <p:pic>
-        <p:nvPicPr>
-          <p:cNvPr id="5" name="Imagen 4">
-            <a:extLst>
-              <a:ext uri="{FF2B5EF4-FFF2-40B4-BE49-F238E27FC236}">
-                <a16:creationId xmlns:a16="http://schemas.microsoft.com/office/drawing/2014/main" id="{EF3EAB40-A5C8-4B26-B399-904E75FF4A8C}"/>
-              </a:ext>
-            </a:extLst>
-          </p:cNvPr>
-          <p:cNvPicPr/>
-          <p:nvPr/>
-        </p:nvPicPr>
-        <p:blipFill>
-          <a:blip r:embed="rId6">
-            <a:extLst>
-              <a:ext uri="{28A0092B-C50C-407E-A947-70E740481C1C}">
-                <a14:useLocalDpi xmlns:a14="http://schemas.microsoft.com/office/drawing/2010/main" val="0"/>
-              </a:ext>
-            </a:extLst>
-          </a:blip>
-          <a:srcRect/>
-          <a:stretch>
-            <a:fillRect/>
-          </a:stretch>
-        </p:blipFill>
-        <p:spPr bwMode="auto">
-          <a:xfrm>
-            <a:off x="1947521" y="3078373"/>
-            <a:ext cx="1903730" cy="1951355"/>
-          </a:xfrm>
-          <a:prstGeom prst="rect">
-            <a:avLst/>
-          </a:prstGeom>
-          <a:noFill/>
-          <a:ln>
-            <a:noFill/>
-          </a:ln>
-        </p:spPr>
-      </p:pic>
-      <p:sp>
-        <p:nvSpPr>
-          <p:cNvPr id="10" name="CuadroTexto 9">
-            <a:extLst>
-              <a:ext uri="{FF2B5EF4-FFF2-40B4-BE49-F238E27FC236}">
-                <a16:creationId xmlns:a16="http://schemas.microsoft.com/office/drawing/2014/main" id="{1CD877D6-6EA8-48D5-943C-8399F1FD88D7}"/>
-              </a:ext>
-            </a:extLst>
-          </p:cNvPr>
-          <p:cNvSpPr txBox="1"/>
-          <p:nvPr/>
-        </p:nvSpPr>
-        <p:spPr>
-          <a:xfrm>
-            <a:off x="4674871" y="361951"/>
-            <a:ext cx="2794111" cy="461665"/>
-          </a:xfrm>
-          <a:prstGeom prst="rect">
-            <a:avLst/>
-          </a:prstGeom>
-          <a:noFill/>
-        </p:spPr>
-        <p:txBody>
-          <a:bodyPr wrap="square" rtlCol="0">
-            <a:spAutoFit/>
-          </a:bodyPr>
-          <a:lstStyle/>
-          <a:p>
-            <a:r>
-              <a:rPr lang="es-ES" sz="2400" b="1" dirty="0"/>
-              <a:t>Target Network</a:t>
-            </a:r>
-          </a:p>
-        </p:txBody>
-      </p:sp>
-      <p:sp>
-        <p:nvSpPr>
-          <p:cNvPr id="2" name="CuadroTexto 1">
-            <a:extLst>
-              <a:ext uri="{FF2B5EF4-FFF2-40B4-BE49-F238E27FC236}">
-                <a16:creationId xmlns:a16="http://schemas.microsoft.com/office/drawing/2014/main" id="{2B957F21-6C6B-4FE4-871E-44C4AB6BD13F}"/>
-              </a:ext>
-            </a:extLst>
-          </p:cNvPr>
-          <p:cNvSpPr txBox="1"/>
-          <p:nvPr/>
-        </p:nvSpPr>
-        <p:spPr>
-          <a:xfrm>
-            <a:off x="994410" y="1657350"/>
-            <a:ext cx="3940502" cy="369332"/>
-          </a:xfrm>
-          <a:prstGeom prst="rect">
-            <a:avLst/>
-          </a:prstGeom>
-          <a:noFill/>
-        </p:spPr>
-        <p:txBody>
-          <a:bodyPr wrap="none" rtlCol="0">
-            <a:spAutoFit/>
-          </a:bodyPr>
-          <a:lstStyle/>
-          <a:p>
-            <a:r>
-              <a:rPr lang="es-ES" dirty="0"/>
-              <a:t>Necesaria para estabilizar el aprendizaje</a:t>
-            </a:r>
-          </a:p>
-        </p:txBody>
-      </p:sp>
-      <p:pic>
-        <p:nvPicPr>
-          <p:cNvPr id="12" name="Imagen 11" descr="Texto&#10;&#10;Descripción generada automáticamente con confianza media">
-            <a:extLst>
-              <a:ext uri="{FF2B5EF4-FFF2-40B4-BE49-F238E27FC236}">
-                <a16:creationId xmlns:a16="http://schemas.microsoft.com/office/drawing/2014/main" id="{6F4367E1-8498-4D7D-9F19-333CAFF13144}"/>
-              </a:ext>
-            </a:extLst>
-          </p:cNvPr>
-          <p:cNvPicPr/>
-          <p:nvPr/>
-        </p:nvPicPr>
-        <p:blipFill>
-          <a:blip r:embed="rId7"/>
-          <a:stretch>
-            <a:fillRect/>
-          </a:stretch>
-        </p:blipFill>
-        <p:spPr>
-          <a:xfrm>
-            <a:off x="67627" y="66675"/>
-            <a:ext cx="1629728" cy="514350"/>
-          </a:xfrm>
-          <a:prstGeom prst="rect">
-            <a:avLst/>
-          </a:prstGeom>
-        </p:spPr>
-      </p:pic>
-      <p:sp>
-        <p:nvSpPr>
-          <p:cNvPr id="14" name="CuadroTexto 13">
-            <a:extLst>
-              <a:ext uri="{FF2B5EF4-FFF2-40B4-BE49-F238E27FC236}">
-                <a16:creationId xmlns:a16="http://schemas.microsoft.com/office/drawing/2014/main" id="{5E3814D5-3719-4BD3-95E8-4BB045BDE4E7}"/>
-              </a:ext>
-            </a:extLst>
-          </p:cNvPr>
-          <p:cNvSpPr txBox="1"/>
-          <p:nvPr/>
-        </p:nvSpPr>
-        <p:spPr>
-          <a:xfrm>
-            <a:off x="9886949" y="66675"/>
-            <a:ext cx="2263141" cy="338554"/>
-          </a:xfrm>
-          <a:prstGeom prst="rect">
-            <a:avLst/>
-          </a:prstGeom>
-          <a:noFill/>
-        </p:spPr>
-        <p:txBody>
-          <a:bodyPr wrap="square" rtlCol="0">
-            <a:spAutoFit/>
-          </a:bodyPr>
-          <a:lstStyle/>
-          <a:p>
-            <a:r>
-              <a:rPr lang="es-ES" sz="1600" dirty="0">
-                <a:solidFill>
-                  <a:srgbClr val="4F81BD"/>
-                </a:solidFill>
-                <a:effectLst/>
-                <a:latin typeface="Arial" panose="020B0604020202020204" pitchFamily="34" charset="0"/>
-                <a:ea typeface="Arial" panose="020B0604020202020204" pitchFamily="34" charset="0"/>
-              </a:rPr>
-              <a:t>Master Deep Learning</a:t>
-            </a:r>
-            <a:endParaRPr lang="es-ES" sz="1600" dirty="0"/>
-          </a:p>
-        </p:txBody>
-      </p:sp>
-    </p:spTree>
-    <p:extLst>
-      <p:ext uri="{BB962C8B-B14F-4D97-AF65-F5344CB8AC3E}">
-        <p14:creationId xmlns:p14="http://schemas.microsoft.com/office/powerpoint/2010/main" val="1649122035"/>
-      </p:ext>
-    </p:extLst>
-  </p:cSld>
-  <p:clrMapOvr>
-    <a:masterClrMapping/>
-  </p:clrMapOvr>
-</p:sld>
-</file>
-
-<file path=ppt/slides/slide8.xml><?xml version="1.0" encoding="utf-8"?>
-<p:sld xmlns:a="http://schemas.openxmlformats.org/drawingml/2006/main" xmlns:r="http://schemas.openxmlformats.org/officeDocument/2006/relationships" xmlns:p="http://schemas.openxmlformats.org/presentationml/2006/main">
-  <p:cSld>
-    <p:spTree>
-      <p:nvGrpSpPr>
-        <p:cNvPr id="1" name=""/>
-        <p:cNvGrpSpPr/>
-        <p:nvPr/>
-      </p:nvGrpSpPr>
-      <p:grpSpPr>
-        <a:xfrm>
-          <a:off x="0" y="0"/>
-          <a:ext cx="0" cy="0"/>
-          <a:chOff x="0" y="0"/>
-          <a:chExt cx="0" cy="0"/>
-        </a:xfrm>
-      </p:grpSpPr>
-      <p:sp>
-        <p:nvSpPr>
-          <p:cNvPr id="9" name="CuadroTexto 8">
-            <a:extLst>
-              <a:ext uri="{FF2B5EF4-FFF2-40B4-BE49-F238E27FC236}">
-                <a16:creationId xmlns:a16="http://schemas.microsoft.com/office/drawing/2014/main" id="{DDF7A8ED-46C7-4765-BF74-74BD3594954A}"/>
-              </a:ext>
-            </a:extLst>
-          </p:cNvPr>
-          <p:cNvSpPr txBox="1"/>
-          <p:nvPr/>
-        </p:nvSpPr>
-        <p:spPr>
-          <a:xfrm>
-            <a:off x="3192954" y="604194"/>
-            <a:ext cx="5711016" cy="461665"/>
-          </a:xfrm>
-          <a:prstGeom prst="rect">
-            <a:avLst/>
-          </a:prstGeom>
-          <a:noFill/>
-        </p:spPr>
-        <p:txBody>
-          <a:bodyPr wrap="square" rtlCol="0">
-            <a:spAutoFit/>
-          </a:bodyPr>
-          <a:lstStyle/>
-          <a:p>
-            <a:r>
-              <a:rPr lang="es-ES" sz="2400" b="1" dirty="0"/>
-              <a:t>Caracterización del Estado y discretización</a:t>
-            </a:r>
-          </a:p>
-        </p:txBody>
-      </p:sp>
-      <p:pic>
-        <p:nvPicPr>
-          <p:cNvPr id="3" name="Imagen 2">
-            <a:extLst>
-              <a:ext uri="{FF2B5EF4-FFF2-40B4-BE49-F238E27FC236}">
-                <a16:creationId xmlns:a16="http://schemas.microsoft.com/office/drawing/2014/main" id="{7040DF93-EC43-416E-9940-D60A9CE3C2E5}"/>
-              </a:ext>
-            </a:extLst>
-          </p:cNvPr>
-          <p:cNvPicPr>
-            <a:picLocks noChangeAspect="1"/>
-          </p:cNvPicPr>
-          <p:nvPr/>
-        </p:nvPicPr>
-        <p:blipFill>
-          <a:blip r:embed="rId2"/>
-          <a:stretch>
-            <a:fillRect/>
-          </a:stretch>
-        </p:blipFill>
-        <p:spPr>
-          <a:xfrm>
-            <a:off x="370836" y="3144846"/>
-            <a:ext cx="5390665" cy="3348990"/>
-          </a:xfrm>
-          <a:prstGeom prst="rect">
-            <a:avLst/>
-          </a:prstGeom>
-        </p:spPr>
-      </p:pic>
-      <p:sp>
-        <p:nvSpPr>
           <p:cNvPr id="7" name="Flecha: a la derecha 6">
             <a:extLst>
               <a:ext uri="{FF2B5EF4-FFF2-40B4-BE49-F238E27FC236}">
@@ -8488,7 +7817,7 @@
         </p:nvSpPr>
         <p:spPr>
           <a:xfrm>
-            <a:off x="6284879" y="4717946"/>
+            <a:off x="6284879" y="1949154"/>
             <a:ext cx="1854954" cy="628650"/>
           </a:xfrm>
           <a:prstGeom prst="rightArrow">
@@ -8596,10 +7925,10 @@
       </p:sp>
       <p:pic>
         <p:nvPicPr>
-          <p:cNvPr id="16" name="Imagen 15">
-            <a:extLst>
-              <a:ext uri="{FF2B5EF4-FFF2-40B4-BE49-F238E27FC236}">
-                <a16:creationId xmlns:a16="http://schemas.microsoft.com/office/drawing/2014/main" id="{77704491-391F-41EA-8CFE-E2E61F7DD2FB}"/>
+          <p:cNvPr id="18" name="Imagen 17">
+            <a:extLst>
+              <a:ext uri="{FF2B5EF4-FFF2-40B4-BE49-F238E27FC236}">
+                <a16:creationId xmlns:a16="http://schemas.microsoft.com/office/drawing/2014/main" id="{497DA0E1-B6F6-4836-BC51-7FC23EB0C2A7}"/>
               </a:ext>
             </a:extLst>
           </p:cNvPr>
@@ -8616,44 +7945,14 @@
         </p:blipFill>
         <p:spPr>
           <a:xfrm>
-            <a:off x="6430500" y="1600200"/>
-            <a:ext cx="5150947" cy="2240280"/>
+            <a:off x="8981352" y="1925783"/>
+            <a:ext cx="2124075" cy="609600"/>
           </a:xfrm>
           <a:prstGeom prst="rect">
             <a:avLst/>
           </a:prstGeom>
         </p:spPr>
       </p:pic>
-      <p:pic>
-        <p:nvPicPr>
-          <p:cNvPr id="18" name="Imagen 17">
-            <a:extLst>
-              <a:ext uri="{FF2B5EF4-FFF2-40B4-BE49-F238E27FC236}">
-                <a16:creationId xmlns:a16="http://schemas.microsoft.com/office/drawing/2014/main" id="{497DA0E1-B6F6-4836-BC51-7FC23EB0C2A7}"/>
-              </a:ext>
-            </a:extLst>
-          </p:cNvPr>
-          <p:cNvPicPr>
-            <a:picLocks noChangeAspect="1"/>
-          </p:cNvPicPr>
-          <p:nvPr/>
-        </p:nvPicPr>
-        <p:blipFill>
-          <a:blip r:embed="rId5"/>
-          <a:stretch>
-            <a:fillRect/>
-          </a:stretch>
-        </p:blipFill>
-        <p:spPr>
-          <a:xfrm>
-            <a:off x="8805862" y="4724400"/>
-            <a:ext cx="2124075" cy="609600"/>
-          </a:xfrm>
-          <a:prstGeom prst="rect">
-            <a:avLst/>
-          </a:prstGeom>
-        </p:spPr>
-      </p:pic>
       <p:sp>
         <p:nvSpPr>
           <p:cNvPr id="19" name="CuadroTexto 18">
@@ -8668,8 +7967,8 @@
         </p:nvSpPr>
         <p:spPr>
           <a:xfrm>
-            <a:off x="1074421" y="1680211"/>
-            <a:ext cx="3726180" cy="1754326"/>
+            <a:off x="6280730" y="3626333"/>
+            <a:ext cx="5540434" cy="1200329"/>
           </a:xfrm>
           <a:prstGeom prst="rect">
             <a:avLst/>
@@ -8709,7 +8008,7 @@
         </p:nvSpPr>
         <p:spPr>
           <a:xfrm>
-            <a:off x="8938260" y="5417820"/>
+            <a:off x="9113750" y="2619203"/>
             <a:ext cx="1991677" cy="369332"/>
           </a:xfrm>
           <a:prstGeom prst="rect">
@@ -8744,8 +8043,8 @@
         </p:nvSpPr>
         <p:spPr>
           <a:xfrm>
-            <a:off x="4469130" y="6195060"/>
-            <a:ext cx="7623810" cy="369332"/>
+            <a:off x="6297931" y="4726480"/>
+            <a:ext cx="5523234" cy="646331"/>
           </a:xfrm>
           <a:prstGeom prst="rect">
             <a:avLst/>
@@ -8778,7 +8077,7 @@
 </p:sld>
 </file>
 
-<file path=ppt/slides/slide9.xml><?xml version="1.0" encoding="utf-8"?>
+<file path=ppt/slides/slide8.xml><?xml version="1.0" encoding="utf-8"?>
 <p:sld xmlns:a="http://schemas.openxmlformats.org/drawingml/2006/main" xmlns:r="http://schemas.openxmlformats.org/officeDocument/2006/relationships" xmlns:p="http://schemas.openxmlformats.org/presentationml/2006/main">
   <p:cSld>
     <p:spTree>
@@ -8935,79 +8234,6 @@
           </a:p>
         </p:txBody>
       </p:sp>
-      <p:graphicFrame>
-        <p:nvGraphicFramePr>
-          <p:cNvPr id="9" name="Objeto 8">
-            <a:extLst>
-              <a:ext uri="{FF2B5EF4-FFF2-40B4-BE49-F238E27FC236}">
-                <a16:creationId xmlns:a16="http://schemas.microsoft.com/office/drawing/2014/main" id="{711366B1-E567-4FAE-91EA-F867EBE938DB}"/>
-              </a:ext>
-            </a:extLst>
-          </p:cNvPr>
-          <p:cNvGraphicFramePr>
-            <a:graphicFrameLocks noChangeAspect="1"/>
-          </p:cNvGraphicFramePr>
-          <p:nvPr>
-            <p:extLst>
-              <p:ext uri="{D42A27DB-BD31-4B8C-83A1-F6EECF244321}">
-                <p14:modId xmlns:p14="http://schemas.microsoft.com/office/powerpoint/2010/main" val="2914056100"/>
-              </p:ext>
-            </p:extLst>
-          </p:nvPr>
-        </p:nvGraphicFramePr>
-        <p:xfrm>
-          <a:off x="7251978" y="995782"/>
-          <a:ext cx="4763271" cy="2057561"/>
-        </p:xfrm>
-        <a:graphic>
-          <a:graphicData uri="http://schemas.openxmlformats.org/presentationml/2006/ole">
-            <mc:AlternateContent xmlns:mc="http://schemas.openxmlformats.org/markup-compatibility/2006">
-              <mc:Choice xmlns:v="urn:schemas-microsoft-com:vml" Requires="v">
-                <p:oleObj name="Document" r:id="rId3" imgW="5386812" imgH="2168135" progId="Word.OpenDocumentText.12">
-                  <p:embed/>
-                </p:oleObj>
-              </mc:Choice>
-              <mc:Fallback>
-                <p:oleObj name="Document" r:id="rId3" imgW="5386812" imgH="2168135" progId="Word.OpenDocumentText.12">
-                  <p:embed/>
-                  <p:pic>
-                    <p:nvPicPr>
-                      <p:cNvPr id="0" name="Object 1"/>
-                      <p:cNvPicPr>
-                        <a:picLocks noChangeAspect="1" noChangeArrowheads="1"/>
-                      </p:cNvPicPr>
-                      <p:nvPr/>
-                    </p:nvPicPr>
-                    <p:blipFill>
-                      <a:blip r:embed="rId4">
-                        <a:extLst>
-                          <a:ext uri="{28A0092B-C50C-407E-A947-70E740481C1C}">
-                            <a14:useLocalDpi xmlns:a14="http://schemas.microsoft.com/office/drawing/2010/main" val="0"/>
-                          </a:ext>
-                        </a:extLst>
-                      </a:blip>
-                      <a:srcRect/>
-                      <a:stretch>
-                        <a:fillRect/>
-                      </a:stretch>
-                    </p:blipFill>
-                    <p:spPr bwMode="auto">
-                      <a:xfrm>
-                        <a:off x="7251978" y="995782"/>
-                        <a:ext cx="4763271" cy="2057561"/>
-                      </a:xfrm>
-                      <a:prstGeom prst="rect">
-                        <a:avLst/>
-                      </a:prstGeom>
-                      <a:noFill/>
-                    </p:spPr>
-                  </p:pic>
-                </p:oleObj>
-              </mc:Fallback>
-            </mc:AlternateContent>
-          </a:graphicData>
-        </a:graphic>
-      </p:graphicFrame>
       <p:sp>
         <p:nvSpPr>
           <p:cNvPr id="13" name="CuadroTexto 12">
@@ -9049,6 +8275,136 @@
             <a:extLst>
               <a:ext uri="{FF2B5EF4-FFF2-40B4-BE49-F238E27FC236}">
                 <a16:creationId xmlns:a16="http://schemas.microsoft.com/office/drawing/2014/main" id="{4FC7D009-5BB2-4D30-8DC3-BDECBE764647}"/>
+              </a:ext>
+            </a:extLst>
+          </p:cNvPr>
+          <p:cNvPicPr>
+            <a:picLocks noChangeAspect="1"/>
+          </p:cNvPicPr>
+          <p:nvPr/>
+        </p:nvPicPr>
+        <p:blipFill>
+          <a:blip r:embed="rId3"/>
+          <a:stretch>
+            <a:fillRect/>
+          </a:stretch>
+        </p:blipFill>
+        <p:spPr>
+          <a:xfrm>
+            <a:off x="7543799" y="2410306"/>
+            <a:ext cx="3969231" cy="2560593"/>
+          </a:xfrm>
+          <a:prstGeom prst="rect">
+            <a:avLst/>
+          </a:prstGeom>
+        </p:spPr>
+      </p:pic>
+      <p:sp>
+        <p:nvSpPr>
+          <p:cNvPr id="16" name="CuadroTexto 15">
+            <a:extLst>
+              <a:ext uri="{FF2B5EF4-FFF2-40B4-BE49-F238E27FC236}">
+                <a16:creationId xmlns:a16="http://schemas.microsoft.com/office/drawing/2014/main" id="{18ADE18B-FE83-4DCF-A6D6-18BFFB2CE9CF}"/>
+              </a:ext>
+            </a:extLst>
+          </p:cNvPr>
+          <p:cNvSpPr txBox="1"/>
+          <p:nvPr/>
+        </p:nvSpPr>
+        <p:spPr>
+          <a:xfrm>
+            <a:off x="7907190" y="6439471"/>
+            <a:ext cx="4239057" cy="400110"/>
+          </a:xfrm>
+          <a:prstGeom prst="rect">
+            <a:avLst/>
+          </a:prstGeom>
+          <a:noFill/>
+        </p:spPr>
+        <p:txBody>
+          <a:bodyPr wrap="square" rtlCol="0">
+            <a:spAutoFit/>
+          </a:bodyPr>
+          <a:lstStyle/>
+          <a:p>
+            <a:r>
+              <a:rPr lang="es-ES" sz="1000" dirty="0"/>
+              <a:t>https://medium.com/analytics-vidhya/the-epsilon-greedy-algorithm-for-reinforcement-learning-5fe6f96dc870</a:t>
+            </a:r>
+          </a:p>
+        </p:txBody>
+      </p:sp>
+      <p:pic>
+        <p:nvPicPr>
+          <p:cNvPr id="6" name="Imagen 5">
+            <a:extLst>
+              <a:ext uri="{FF2B5EF4-FFF2-40B4-BE49-F238E27FC236}">
+                <a16:creationId xmlns:a16="http://schemas.microsoft.com/office/drawing/2014/main" id="{D94D305B-EF52-456B-957A-BF7C443400AC}"/>
+              </a:ext>
+            </a:extLst>
+          </p:cNvPr>
+          <p:cNvPicPr>
+            <a:picLocks noChangeAspect="1"/>
+          </p:cNvPicPr>
+          <p:nvPr/>
+        </p:nvPicPr>
+        <p:blipFill>
+          <a:blip r:embed="rId4"/>
+          <a:stretch>
+            <a:fillRect/>
+          </a:stretch>
+        </p:blipFill>
+        <p:spPr>
+          <a:xfrm>
+            <a:off x="1095769" y="2108358"/>
+            <a:ext cx="4153854" cy="3357562"/>
+          </a:xfrm>
+          <a:prstGeom prst="rect">
+            <a:avLst/>
+          </a:prstGeom>
+        </p:spPr>
+      </p:pic>
+      <p:sp>
+        <p:nvSpPr>
+          <p:cNvPr id="14" name="CuadroTexto 13">
+            <a:extLst>
+              <a:ext uri="{FF2B5EF4-FFF2-40B4-BE49-F238E27FC236}">
+                <a16:creationId xmlns:a16="http://schemas.microsoft.com/office/drawing/2014/main" id="{EC13A798-F3FD-47FF-A01B-40A6AB9E9552}"/>
+              </a:ext>
+            </a:extLst>
+          </p:cNvPr>
+          <p:cNvSpPr txBox="1"/>
+          <p:nvPr/>
+        </p:nvSpPr>
+        <p:spPr>
+          <a:xfrm>
+            <a:off x="10392" y="6597367"/>
+            <a:ext cx="8173027" cy="246221"/>
+          </a:xfrm>
+          <a:prstGeom prst="rect">
+            <a:avLst/>
+          </a:prstGeom>
+          <a:noFill/>
+        </p:spPr>
+        <p:txBody>
+          <a:bodyPr wrap="square">
+            <a:spAutoFit/>
+          </a:bodyPr>
+          <a:lstStyle/>
+          <a:p>
+            <a:r>
+              <a:rPr lang="es-ES" sz="1000" dirty="0"/>
+              <a:t>https://www.researchgate.net/figure/Neural-network-architecture-setting-There-are-five-inputs-one-output-and-three-hidden_fig5_320696945</a:t>
+            </a:r>
+          </a:p>
+        </p:txBody>
+      </p:sp>
+      <p:pic>
+        <p:nvPicPr>
+          <p:cNvPr id="12" name="Imagen 11">
+            <a:extLst>
+              <a:ext uri="{FF2B5EF4-FFF2-40B4-BE49-F238E27FC236}">
+                <a16:creationId xmlns:a16="http://schemas.microsoft.com/office/drawing/2014/main" id="{A1813F21-CF56-4140-B4C8-AB8950FE7205}"/>
               </a:ext>
             </a:extLst>
           </p:cNvPr>
@@ -9065,55 +8421,50 @@
         </p:blipFill>
         <p:spPr>
           <a:xfrm>
-            <a:off x="7543799" y="3897356"/>
-            <a:ext cx="3969231" cy="2560593"/>
+            <a:off x="323850" y="2589371"/>
+            <a:ext cx="457200" cy="190500"/>
           </a:xfrm>
           <a:prstGeom prst="rect">
             <a:avLst/>
           </a:prstGeom>
         </p:spPr>
       </p:pic>
-      <p:sp>
-        <p:nvSpPr>
-          <p:cNvPr id="16" name="CuadroTexto 15">
-            <a:extLst>
-              <a:ext uri="{FF2B5EF4-FFF2-40B4-BE49-F238E27FC236}">
-                <a16:creationId xmlns:a16="http://schemas.microsoft.com/office/drawing/2014/main" id="{18ADE18B-FE83-4DCF-A6D6-18BFFB2CE9CF}"/>
-              </a:ext>
-            </a:extLst>
-          </p:cNvPr>
-          <p:cNvSpPr txBox="1"/>
-          <p:nvPr/>
-        </p:nvSpPr>
-        <p:spPr>
-          <a:xfrm>
-            <a:off x="7907190" y="6439471"/>
-            <a:ext cx="4239057" cy="400110"/>
-          </a:xfrm>
-          <a:prstGeom prst="rect">
-            <a:avLst/>
-          </a:prstGeom>
-          <a:noFill/>
-        </p:spPr>
-        <p:txBody>
-          <a:bodyPr wrap="square" rtlCol="0">
-            <a:spAutoFit/>
-          </a:bodyPr>
-          <a:lstStyle/>
-          <a:p>
-            <a:r>
-              <a:rPr lang="es-ES" sz="1000" dirty="0"/>
-              <a:t>https://medium.com/analytics-vidhya/the-epsilon-greedy-algorithm-for-reinforcement-learning-5fe6f96dc870</a:t>
-            </a:r>
-          </a:p>
-        </p:txBody>
-      </p:sp>
       <p:pic>
         <p:nvPicPr>
-          <p:cNvPr id="6" name="Imagen 5">
-            <a:extLst>
-              <a:ext uri="{FF2B5EF4-FFF2-40B4-BE49-F238E27FC236}">
-                <a16:creationId xmlns:a16="http://schemas.microsoft.com/office/drawing/2014/main" id="{D94D305B-EF52-456B-957A-BF7C443400AC}"/>
+          <p:cNvPr id="18" name="Imagen 17">
+            <a:extLst>
+              <a:ext uri="{FF2B5EF4-FFF2-40B4-BE49-F238E27FC236}">
+                <a16:creationId xmlns:a16="http://schemas.microsoft.com/office/drawing/2014/main" id="{8043FACD-F7FC-4104-B1BA-8EA61B63EEBC}"/>
+              </a:ext>
+            </a:extLst>
+          </p:cNvPr>
+          <p:cNvPicPr>
+            <a:picLocks noChangeAspect="1"/>
+          </p:cNvPicPr>
+          <p:nvPr/>
+        </p:nvPicPr>
+        <p:blipFill>
+          <a:blip r:embed="rId5"/>
+          <a:stretch>
+            <a:fillRect/>
+          </a:stretch>
+        </p:blipFill>
+        <p:spPr>
+          <a:xfrm rot="10800000">
+            <a:off x="323850" y="4894421"/>
+            <a:ext cx="457200" cy="190500"/>
+          </a:xfrm>
+          <a:prstGeom prst="rect">
+            <a:avLst/>
+          </a:prstGeom>
+        </p:spPr>
+      </p:pic>
+      <p:pic>
+        <p:nvPicPr>
+          <p:cNvPr id="20" name="Imagen 19">
+            <a:extLst>
+              <a:ext uri="{FF2B5EF4-FFF2-40B4-BE49-F238E27FC236}">
+                <a16:creationId xmlns:a16="http://schemas.microsoft.com/office/drawing/2014/main" id="{309705BE-5A7A-47E7-A4A7-6CB76EFB61CF}"/>
               </a:ext>
             </a:extLst>
           </p:cNvPr>
@@ -9130,55 +8481,50 @@
         </p:blipFill>
         <p:spPr>
           <a:xfrm>
-            <a:off x="1095769" y="1277085"/>
-            <a:ext cx="4153854" cy="3357562"/>
+            <a:off x="438149" y="2741772"/>
+            <a:ext cx="191386" cy="342900"/>
           </a:xfrm>
           <a:prstGeom prst="rect">
             <a:avLst/>
           </a:prstGeom>
         </p:spPr>
       </p:pic>
-      <p:sp>
-        <p:nvSpPr>
-          <p:cNvPr id="14" name="CuadroTexto 13">
-            <a:extLst>
-              <a:ext uri="{FF2B5EF4-FFF2-40B4-BE49-F238E27FC236}">
-                <a16:creationId xmlns:a16="http://schemas.microsoft.com/office/drawing/2014/main" id="{EC13A798-F3FD-47FF-A01B-40A6AB9E9552}"/>
-              </a:ext>
-            </a:extLst>
-          </p:cNvPr>
-          <p:cNvSpPr txBox="1"/>
-          <p:nvPr/>
-        </p:nvSpPr>
-        <p:spPr>
-          <a:xfrm>
-            <a:off x="10392" y="6597367"/>
-            <a:ext cx="8173027" cy="246221"/>
-          </a:xfrm>
-          <a:prstGeom prst="rect">
-            <a:avLst/>
-          </a:prstGeom>
-          <a:noFill/>
-        </p:spPr>
-        <p:txBody>
-          <a:bodyPr wrap="square">
-            <a:spAutoFit/>
-          </a:bodyPr>
-          <a:lstStyle/>
-          <a:p>
-            <a:r>
-              <a:rPr lang="es-ES" sz="1000" dirty="0"/>
-              <a:t>https://www.researchgate.net/figure/Neural-network-architecture-setting-There-are-five-inputs-one-output-and-three-hidden_fig5_320696945</a:t>
-            </a:r>
-          </a:p>
-        </p:txBody>
-      </p:sp>
       <p:pic>
         <p:nvPicPr>
-          <p:cNvPr id="12" name="Imagen 11">
-            <a:extLst>
-              <a:ext uri="{FF2B5EF4-FFF2-40B4-BE49-F238E27FC236}">
-                <a16:creationId xmlns:a16="http://schemas.microsoft.com/office/drawing/2014/main" id="{A1813F21-CF56-4140-B4C8-AB8950FE7205}"/>
+          <p:cNvPr id="22" name="Imagen 21">
+            <a:extLst>
+              <a:ext uri="{FF2B5EF4-FFF2-40B4-BE49-F238E27FC236}">
+                <a16:creationId xmlns:a16="http://schemas.microsoft.com/office/drawing/2014/main" id="{0DF49E74-6E27-4698-8D2C-44CE22AAF377}"/>
+              </a:ext>
+            </a:extLst>
+          </p:cNvPr>
+          <p:cNvPicPr>
+            <a:picLocks noChangeAspect="1"/>
+          </p:cNvPicPr>
+          <p:nvPr/>
+        </p:nvPicPr>
+        <p:blipFill>
+          <a:blip r:embed="rId6"/>
+          <a:stretch>
+            <a:fillRect/>
+          </a:stretch>
+        </p:blipFill>
+        <p:spPr>
+          <a:xfrm>
+            <a:off x="430925" y="4037321"/>
+            <a:ext cx="191386" cy="342900"/>
+          </a:xfrm>
+          <a:prstGeom prst="rect">
+            <a:avLst/>
+          </a:prstGeom>
+        </p:spPr>
+      </p:pic>
+      <p:pic>
+        <p:nvPicPr>
+          <p:cNvPr id="24" name="Imagen 23">
+            <a:extLst>
+              <a:ext uri="{FF2B5EF4-FFF2-40B4-BE49-F238E27FC236}">
+                <a16:creationId xmlns:a16="http://schemas.microsoft.com/office/drawing/2014/main" id="{F9E4043B-7E7D-442B-8483-2E43F66C2B7E}"/>
               </a:ext>
             </a:extLst>
           </p:cNvPr>
@@ -9195,8 +8541,8 @@
         </p:blipFill>
         <p:spPr>
           <a:xfrm>
-            <a:off x="323850" y="1758098"/>
-            <a:ext cx="457200" cy="190500"/>
+            <a:off x="447675" y="3232309"/>
+            <a:ext cx="191386" cy="304478"/>
           </a:xfrm>
           <a:prstGeom prst="rect">
             <a:avLst/>
@@ -9205,40 +8551,10 @@
       </p:pic>
       <p:pic>
         <p:nvPicPr>
-          <p:cNvPr id="18" name="Imagen 17">
-            <a:extLst>
-              <a:ext uri="{FF2B5EF4-FFF2-40B4-BE49-F238E27FC236}">
-                <a16:creationId xmlns:a16="http://schemas.microsoft.com/office/drawing/2014/main" id="{8043FACD-F7FC-4104-B1BA-8EA61B63EEBC}"/>
-              </a:ext>
-            </a:extLst>
-          </p:cNvPr>
-          <p:cNvPicPr>
-            <a:picLocks noChangeAspect="1"/>
-          </p:cNvPicPr>
-          <p:nvPr/>
-        </p:nvPicPr>
-        <p:blipFill>
-          <a:blip r:embed="rId7"/>
-          <a:stretch>
-            <a:fillRect/>
-          </a:stretch>
-        </p:blipFill>
-        <p:spPr>
-          <a:xfrm rot="10800000">
-            <a:off x="323850" y="4063148"/>
-            <a:ext cx="457200" cy="190500"/>
-          </a:xfrm>
-          <a:prstGeom prst="rect">
-            <a:avLst/>
-          </a:prstGeom>
-        </p:spPr>
-      </p:pic>
-      <p:pic>
-        <p:nvPicPr>
-          <p:cNvPr id="20" name="Imagen 19">
-            <a:extLst>
-              <a:ext uri="{FF2B5EF4-FFF2-40B4-BE49-F238E27FC236}">
-                <a16:creationId xmlns:a16="http://schemas.microsoft.com/office/drawing/2014/main" id="{309705BE-5A7A-47E7-A4A7-6CB76EFB61CF}"/>
+          <p:cNvPr id="26" name="Imagen 25">
+            <a:extLst>
+              <a:ext uri="{FF2B5EF4-FFF2-40B4-BE49-F238E27FC236}">
+                <a16:creationId xmlns:a16="http://schemas.microsoft.com/office/drawing/2014/main" id="{0F8CCFDF-6017-4740-BC02-424C6212144B}"/>
               </a:ext>
             </a:extLst>
           </p:cNvPr>
@@ -9255,8 +8571,8 @@
         </p:blipFill>
         <p:spPr>
           <a:xfrm>
-            <a:off x="438149" y="1910499"/>
-            <a:ext cx="191386" cy="342900"/>
+            <a:off x="457200" y="3570446"/>
+            <a:ext cx="198520" cy="342900"/>
           </a:xfrm>
           <a:prstGeom prst="rect">
             <a:avLst/>
@@ -9265,40 +8581,10 @@
       </p:pic>
       <p:pic>
         <p:nvPicPr>
-          <p:cNvPr id="22" name="Imagen 21">
-            <a:extLst>
-              <a:ext uri="{FF2B5EF4-FFF2-40B4-BE49-F238E27FC236}">
-                <a16:creationId xmlns:a16="http://schemas.microsoft.com/office/drawing/2014/main" id="{0DF49E74-6E27-4698-8D2C-44CE22AAF377}"/>
-              </a:ext>
-            </a:extLst>
-          </p:cNvPr>
-          <p:cNvPicPr>
-            <a:picLocks noChangeAspect="1"/>
-          </p:cNvPicPr>
-          <p:nvPr/>
-        </p:nvPicPr>
-        <p:blipFill>
-          <a:blip r:embed="rId8"/>
-          <a:stretch>
-            <a:fillRect/>
-          </a:stretch>
-        </p:blipFill>
-        <p:spPr>
-          <a:xfrm>
-            <a:off x="430925" y="3206048"/>
-            <a:ext cx="191386" cy="342900"/>
-          </a:xfrm>
-          <a:prstGeom prst="rect">
-            <a:avLst/>
-          </a:prstGeom>
-        </p:spPr>
-      </p:pic>
-      <p:pic>
-        <p:nvPicPr>
-          <p:cNvPr id="24" name="Imagen 23">
-            <a:extLst>
-              <a:ext uri="{FF2B5EF4-FFF2-40B4-BE49-F238E27FC236}">
-                <a16:creationId xmlns:a16="http://schemas.microsoft.com/office/drawing/2014/main" id="{F9E4043B-7E7D-442B-8483-2E43F66C2B7E}"/>
+          <p:cNvPr id="28" name="Imagen 27">
+            <a:extLst>
+              <a:ext uri="{FF2B5EF4-FFF2-40B4-BE49-F238E27FC236}">
+                <a16:creationId xmlns:a16="http://schemas.microsoft.com/office/drawing/2014/main" id="{142130F2-14E9-43D0-A1DA-BC3436ED5C1A}"/>
               </a:ext>
             </a:extLst>
           </p:cNvPr>
@@ -9315,20 +8601,350 @@
         </p:blipFill>
         <p:spPr>
           <a:xfrm>
-            <a:off x="447675" y="2401036"/>
-            <a:ext cx="191386" cy="304478"/>
+            <a:off x="433387" y="4551521"/>
+            <a:ext cx="219075" cy="304800"/>
           </a:xfrm>
           <a:prstGeom prst="rect">
             <a:avLst/>
           </a:prstGeom>
         </p:spPr>
       </p:pic>
+      <p:sp>
+        <p:nvSpPr>
+          <p:cNvPr id="29" name="CuadroTexto 28">
+            <a:extLst>
+              <a:ext uri="{FF2B5EF4-FFF2-40B4-BE49-F238E27FC236}">
+                <a16:creationId xmlns:a16="http://schemas.microsoft.com/office/drawing/2014/main" id="{F4AF663E-9151-4A77-B520-F29E2F28538C}"/>
+              </a:ext>
+            </a:extLst>
+          </p:cNvPr>
+          <p:cNvSpPr txBox="1"/>
+          <p:nvPr/>
+        </p:nvSpPr>
+        <p:spPr>
+          <a:xfrm>
+            <a:off x="155586" y="1868065"/>
+            <a:ext cx="824265" cy="646331"/>
+          </a:xfrm>
+          <a:prstGeom prst="rect">
+            <a:avLst/>
+          </a:prstGeom>
+          <a:noFill/>
+        </p:spPr>
+        <p:txBody>
+          <a:bodyPr wrap="none" rtlCol="0">
+            <a:spAutoFit/>
+          </a:bodyPr>
+          <a:lstStyle/>
+          <a:p>
+            <a:r>
+              <a:rPr lang="es-ES" b="1" dirty="0"/>
+              <a:t>Vector</a:t>
+            </a:r>
+          </a:p>
+          <a:p>
+            <a:r>
+              <a:rPr lang="es-ES" b="1" dirty="0"/>
+              <a:t>Estado</a:t>
+            </a:r>
+          </a:p>
+        </p:txBody>
+      </p:sp>
+      <p:sp>
+        <p:nvSpPr>
+          <p:cNvPr id="30" name="CuadroTexto 29">
+            <a:extLst>
+              <a:ext uri="{FF2B5EF4-FFF2-40B4-BE49-F238E27FC236}">
+                <a16:creationId xmlns:a16="http://schemas.microsoft.com/office/drawing/2014/main" id="{D7B5E6E1-2F6B-4BC2-BE3A-EB1B8F0A1C4D}"/>
+              </a:ext>
+            </a:extLst>
+          </p:cNvPr>
+          <p:cNvSpPr txBox="1"/>
+          <p:nvPr/>
+        </p:nvSpPr>
+        <p:spPr>
+          <a:xfrm>
+            <a:off x="4341091" y="1985540"/>
+            <a:ext cx="2272145" cy="646331"/>
+          </a:xfrm>
+          <a:prstGeom prst="rect">
+            <a:avLst/>
+          </a:prstGeom>
+          <a:noFill/>
+        </p:spPr>
+        <p:txBody>
+          <a:bodyPr wrap="square" rtlCol="0">
+            <a:spAutoFit/>
+          </a:bodyPr>
+          <a:lstStyle/>
+          <a:p>
+            <a:r>
+              <a:rPr lang="es-ES" b="1" dirty="0"/>
+              <a:t>Salida con activación</a:t>
+            </a:r>
+          </a:p>
+          <a:p>
+            <a:r>
+              <a:rPr lang="es-ES" b="1" dirty="0"/>
+              <a:t>Lineal</a:t>
+            </a:r>
+          </a:p>
+        </p:txBody>
+      </p:sp>
+      <p:sp>
+        <p:nvSpPr>
+          <p:cNvPr id="31" name="CuadroTexto 30">
+            <a:extLst>
+              <a:ext uri="{FF2B5EF4-FFF2-40B4-BE49-F238E27FC236}">
+                <a16:creationId xmlns:a16="http://schemas.microsoft.com/office/drawing/2014/main" id="{94E767AA-54B3-42FF-BD72-146A6EAF5648}"/>
+              </a:ext>
+            </a:extLst>
+          </p:cNvPr>
+          <p:cNvSpPr txBox="1"/>
+          <p:nvPr/>
+        </p:nvSpPr>
+        <p:spPr>
+          <a:xfrm>
+            <a:off x="5259148" y="2722721"/>
+            <a:ext cx="836852" cy="369332"/>
+          </a:xfrm>
+          <a:prstGeom prst="rect">
+            <a:avLst/>
+          </a:prstGeom>
+          <a:noFill/>
+        </p:spPr>
+        <p:txBody>
+          <a:bodyPr wrap="square" rtlCol="0">
+            <a:spAutoFit/>
+          </a:bodyPr>
+          <a:lstStyle/>
+          <a:p>
+            <a:r>
+              <a:rPr lang="es-ES" dirty="0"/>
+              <a:t>528.01</a:t>
+            </a:r>
+          </a:p>
+        </p:txBody>
+      </p:sp>
+      <p:sp>
+        <p:nvSpPr>
+          <p:cNvPr id="32" name="CuadroTexto 31">
+            <a:extLst>
+              <a:ext uri="{FF2B5EF4-FFF2-40B4-BE49-F238E27FC236}">
+                <a16:creationId xmlns:a16="http://schemas.microsoft.com/office/drawing/2014/main" id="{CEB6F5AC-E156-4F37-B619-01A642F3D555}"/>
+              </a:ext>
+            </a:extLst>
+          </p:cNvPr>
+          <p:cNvSpPr txBox="1"/>
+          <p:nvPr/>
+        </p:nvSpPr>
+        <p:spPr>
+          <a:xfrm>
+            <a:off x="5259148" y="3179921"/>
+            <a:ext cx="836852" cy="369332"/>
+          </a:xfrm>
+          <a:prstGeom prst="rect">
+            <a:avLst/>
+          </a:prstGeom>
+          <a:noFill/>
+        </p:spPr>
+        <p:txBody>
+          <a:bodyPr wrap="square" rtlCol="0">
+            <a:spAutoFit/>
+          </a:bodyPr>
+          <a:lstStyle/>
+          <a:p>
+            <a:r>
+              <a:rPr lang="es-ES" dirty="0"/>
+              <a:t>553.00</a:t>
+            </a:r>
+          </a:p>
+        </p:txBody>
+      </p:sp>
+      <p:sp>
+        <p:nvSpPr>
+          <p:cNvPr id="33" name="CuadroTexto 32">
+            <a:extLst>
+              <a:ext uri="{FF2B5EF4-FFF2-40B4-BE49-F238E27FC236}">
+                <a16:creationId xmlns:a16="http://schemas.microsoft.com/office/drawing/2014/main" id="{C1DA5249-58F4-4F8B-A5A0-4E36054D9ADD}"/>
+              </a:ext>
+            </a:extLst>
+          </p:cNvPr>
+          <p:cNvSpPr txBox="1"/>
+          <p:nvPr/>
+        </p:nvSpPr>
+        <p:spPr>
+          <a:xfrm>
+            <a:off x="5268673" y="3618071"/>
+            <a:ext cx="836852" cy="369332"/>
+          </a:xfrm>
+          <a:prstGeom prst="rect">
+            <a:avLst/>
+          </a:prstGeom>
+          <a:noFill/>
+        </p:spPr>
+        <p:txBody>
+          <a:bodyPr wrap="square" rtlCol="0">
+            <a:spAutoFit/>
+          </a:bodyPr>
+          <a:lstStyle/>
+          <a:p>
+            <a:r>
+              <a:rPr lang="es-ES" dirty="0"/>
+              <a:t>512.54 </a:t>
+            </a:r>
+          </a:p>
+        </p:txBody>
+      </p:sp>
+      <p:sp>
+        <p:nvSpPr>
+          <p:cNvPr id="34" name="CuadroTexto 33">
+            <a:extLst>
+              <a:ext uri="{FF2B5EF4-FFF2-40B4-BE49-F238E27FC236}">
+                <a16:creationId xmlns:a16="http://schemas.microsoft.com/office/drawing/2014/main" id="{D6FA658A-2259-4C63-BD4F-73826E23B2FA}"/>
+              </a:ext>
+            </a:extLst>
+          </p:cNvPr>
+          <p:cNvSpPr txBox="1"/>
+          <p:nvPr/>
+        </p:nvSpPr>
+        <p:spPr>
+          <a:xfrm>
+            <a:off x="5259148" y="4046696"/>
+            <a:ext cx="836852" cy="369332"/>
+          </a:xfrm>
+          <a:prstGeom prst="rect">
+            <a:avLst/>
+          </a:prstGeom>
+          <a:noFill/>
+        </p:spPr>
+        <p:txBody>
+          <a:bodyPr wrap="square" rtlCol="0">
+            <a:spAutoFit/>
+          </a:bodyPr>
+          <a:lstStyle/>
+          <a:p>
+            <a:r>
+              <a:rPr lang="es-ES" dirty="0"/>
+              <a:t>582.60 </a:t>
+            </a:r>
+          </a:p>
+        </p:txBody>
+      </p:sp>
+      <p:sp>
+        <p:nvSpPr>
+          <p:cNvPr id="35" name="CuadroTexto 34">
+            <a:extLst>
+              <a:ext uri="{FF2B5EF4-FFF2-40B4-BE49-F238E27FC236}">
+                <a16:creationId xmlns:a16="http://schemas.microsoft.com/office/drawing/2014/main" id="{5B295DEC-2449-41CB-995F-D6250264AB79}"/>
+              </a:ext>
+            </a:extLst>
+          </p:cNvPr>
+          <p:cNvSpPr txBox="1"/>
+          <p:nvPr/>
+        </p:nvSpPr>
+        <p:spPr>
+          <a:xfrm>
+            <a:off x="5259148" y="4446746"/>
+            <a:ext cx="836852" cy="369332"/>
+          </a:xfrm>
+          <a:prstGeom prst="rect">
+            <a:avLst/>
+          </a:prstGeom>
+          <a:noFill/>
+        </p:spPr>
+        <p:txBody>
+          <a:bodyPr wrap="square" rtlCol="0">
+            <a:spAutoFit/>
+          </a:bodyPr>
+          <a:lstStyle/>
+          <a:p>
+            <a:r>
+              <a:rPr lang="es-ES" dirty="0"/>
+              <a:t>503.00 </a:t>
+            </a:r>
+          </a:p>
+        </p:txBody>
+      </p:sp>
+      <p:sp>
+        <p:nvSpPr>
+          <p:cNvPr id="37" name="CuadroTexto 36">
+            <a:extLst>
+              <a:ext uri="{FF2B5EF4-FFF2-40B4-BE49-F238E27FC236}">
+                <a16:creationId xmlns:a16="http://schemas.microsoft.com/office/drawing/2014/main" id="{0D2508FE-901A-474A-B119-BCFEF9F825B7}"/>
+              </a:ext>
+            </a:extLst>
+          </p:cNvPr>
+          <p:cNvSpPr txBox="1"/>
+          <p:nvPr/>
+        </p:nvSpPr>
+        <p:spPr>
+          <a:xfrm>
+            <a:off x="7613661" y="1868925"/>
+            <a:ext cx="3969230" cy="400110"/>
+          </a:xfrm>
+          <a:prstGeom prst="rect">
+            <a:avLst/>
+          </a:prstGeom>
+          <a:noFill/>
+        </p:spPr>
+        <p:txBody>
+          <a:bodyPr wrap="square" rtlCol="0">
+            <a:spAutoFit/>
+          </a:bodyPr>
+          <a:lstStyle/>
+          <a:p>
+            <a:r>
+              <a:rPr lang="el-GR" sz="2000" b="1" dirty="0"/>
+              <a:t>ε</a:t>
+            </a:r>
+            <a:r>
+              <a:rPr lang="es-ES" sz="2000" b="1" dirty="0"/>
+              <a:t> – </a:t>
+            </a:r>
+            <a:r>
+              <a:rPr lang="es-ES" b="1" dirty="0"/>
+              <a:t>greedy: Exploración vs explotación</a:t>
+            </a:r>
+          </a:p>
+        </p:txBody>
+      </p:sp>
+    </p:spTree>
+    <p:extLst>
+      <p:ext uri="{BB962C8B-B14F-4D97-AF65-F5344CB8AC3E}">
+        <p14:creationId xmlns:p14="http://schemas.microsoft.com/office/powerpoint/2010/main" val="1333816836"/>
+      </p:ext>
+    </p:extLst>
+  </p:cSld>
+  <p:clrMapOvr>
+    <a:masterClrMapping/>
+  </p:clrMapOvr>
+</p:sld>
+</file>
+
+<file path=ppt/slides/slide9.xml><?xml version="1.0" encoding="utf-8"?>
+<p:sld xmlns:a="http://schemas.openxmlformats.org/drawingml/2006/main" xmlns:r="http://schemas.openxmlformats.org/officeDocument/2006/relationships" xmlns:p="http://schemas.openxmlformats.org/presentationml/2006/main">
+  <p:cSld>
+    <p:spTree>
+      <p:nvGrpSpPr>
+        <p:cNvPr id="1" name=""/>
+        <p:cNvGrpSpPr/>
+        <p:nvPr/>
+      </p:nvGrpSpPr>
+      <p:grpSpPr>
+        <a:xfrm>
+          <a:off x="0" y="0"/>
+          <a:ext cx="0" cy="0"/>
+          <a:chOff x="0" y="0"/>
+          <a:chExt cx="0" cy="0"/>
+        </a:xfrm>
+      </p:grpSpPr>
       <p:pic>
         <p:nvPicPr>
-          <p:cNvPr id="26" name="Imagen 25">
-            <a:extLst>
-              <a:ext uri="{FF2B5EF4-FFF2-40B4-BE49-F238E27FC236}">
-                <a16:creationId xmlns:a16="http://schemas.microsoft.com/office/drawing/2014/main" id="{0F8CCFDF-6017-4740-BC02-424C6212144B}"/>
+          <p:cNvPr id="4" name="Imagen 3">
+            <a:extLst>
+              <a:ext uri="{FF2B5EF4-FFF2-40B4-BE49-F238E27FC236}">
+                <a16:creationId xmlns:a16="http://schemas.microsoft.com/office/drawing/2014/main" id="{BC5EF3D7-39B0-45E6-A1FF-F4B47C0737BA}"/>
               </a:ext>
             </a:extLst>
           </p:cNvPr>
@@ -9338,15 +8954,15 @@
           <p:nvPr/>
         </p:nvPicPr>
         <p:blipFill>
-          <a:blip r:embed="rId10"/>
+          <a:blip r:embed="rId2"/>
           <a:stretch>
             <a:fillRect/>
           </a:stretch>
         </p:blipFill>
         <p:spPr>
           <a:xfrm>
-            <a:off x="457200" y="2739173"/>
-            <a:ext cx="198520" cy="342900"/>
+            <a:off x="577266" y="5359628"/>
+            <a:ext cx="11296738" cy="1402034"/>
           </a:xfrm>
           <a:prstGeom prst="rect">
             <a:avLst/>
@@ -9355,28 +8971,26 @@
       </p:pic>
       <p:pic>
         <p:nvPicPr>
-          <p:cNvPr id="28" name="Imagen 27">
-            <a:extLst>
-              <a:ext uri="{FF2B5EF4-FFF2-40B4-BE49-F238E27FC236}">
-                <a16:creationId xmlns:a16="http://schemas.microsoft.com/office/drawing/2014/main" id="{142130F2-14E9-43D0-A1DA-BC3436ED5C1A}"/>
-              </a:ext>
-            </a:extLst>
-          </p:cNvPr>
-          <p:cNvPicPr>
-            <a:picLocks noChangeAspect="1"/>
-          </p:cNvPicPr>
+          <p:cNvPr id="7" name="Imagen 6" descr="Texto&#10;&#10;Descripción generada automáticamente con confianza media">
+            <a:extLst>
+              <a:ext uri="{FF2B5EF4-FFF2-40B4-BE49-F238E27FC236}">
+                <a16:creationId xmlns:a16="http://schemas.microsoft.com/office/drawing/2014/main" id="{522F3205-AB50-49D8-8AAE-7D167D24477E}"/>
+              </a:ext>
+            </a:extLst>
+          </p:cNvPr>
+          <p:cNvPicPr/>
           <p:nvPr/>
         </p:nvPicPr>
         <p:blipFill>
-          <a:blip r:embed="rId11"/>
+          <a:blip r:embed="rId3"/>
           <a:stretch>
             <a:fillRect/>
           </a:stretch>
         </p:blipFill>
         <p:spPr>
           <a:xfrm>
-            <a:off x="433387" y="3720248"/>
-            <a:ext cx="219075" cy="304800"/>
+            <a:off x="67627" y="66675"/>
+            <a:ext cx="1629728" cy="514350"/>
           </a:xfrm>
           <a:prstGeom prst="rect">
             <a:avLst/>
@@ -9385,10 +8999,10 @@
       </p:pic>
       <p:sp>
         <p:nvSpPr>
-          <p:cNvPr id="29" name="CuadroTexto 28">
-            <a:extLst>
-              <a:ext uri="{FF2B5EF4-FFF2-40B4-BE49-F238E27FC236}">
-                <a16:creationId xmlns:a16="http://schemas.microsoft.com/office/drawing/2014/main" id="{F4AF663E-9151-4A77-B520-F29E2F28538C}"/>
+          <p:cNvPr id="8" name="CuadroTexto 7">
+            <a:extLst>
+              <a:ext uri="{FF2B5EF4-FFF2-40B4-BE49-F238E27FC236}">
+                <a16:creationId xmlns:a16="http://schemas.microsoft.com/office/drawing/2014/main" id="{FBF8CEED-FFDF-4705-B3C0-BD2C8BC16A4F}"/>
               </a:ext>
             </a:extLst>
           </p:cNvPr>
@@ -9397,49 +9011,8 @@
         </p:nvSpPr>
         <p:spPr>
           <a:xfrm>
-            <a:off x="155586" y="1036792"/>
-            <a:ext cx="824265" cy="646331"/>
-          </a:xfrm>
-          <a:prstGeom prst="rect">
-            <a:avLst/>
-          </a:prstGeom>
-          <a:noFill/>
-        </p:spPr>
-        <p:txBody>
-          <a:bodyPr wrap="none" rtlCol="0">
-            <a:spAutoFit/>
-          </a:bodyPr>
-          <a:lstStyle/>
-          <a:p>
-            <a:r>
-              <a:rPr lang="es-ES" b="1" dirty="0"/>
-              <a:t>Vector</a:t>
-            </a:r>
-          </a:p>
-          <a:p>
-            <a:r>
-              <a:rPr lang="es-ES" b="1" dirty="0"/>
-              <a:t>Estado</a:t>
-            </a:r>
-          </a:p>
-        </p:txBody>
-      </p:sp>
-      <p:sp>
-        <p:nvSpPr>
-          <p:cNvPr id="30" name="CuadroTexto 29">
-            <a:extLst>
-              <a:ext uri="{FF2B5EF4-FFF2-40B4-BE49-F238E27FC236}">
-                <a16:creationId xmlns:a16="http://schemas.microsoft.com/office/drawing/2014/main" id="{D7B5E6E1-2F6B-4BC2-BE3A-EB1B8F0A1C4D}"/>
-              </a:ext>
-            </a:extLst>
-          </p:cNvPr>
-          <p:cNvSpPr txBox="1"/>
-          <p:nvPr/>
-        </p:nvSpPr>
-        <p:spPr>
-          <a:xfrm>
-            <a:off x="4341091" y="1154267"/>
-            <a:ext cx="2272145" cy="646331"/>
+            <a:off x="9886949" y="9525"/>
+            <a:ext cx="2263141" cy="338554"/>
           </a:xfrm>
           <a:prstGeom prst="rect">
             <a:avLst/>
@@ -9453,242 +9026,95 @@
           <a:lstStyle/>
           <a:p>
             <a:r>
-              <a:rPr lang="es-ES" b="1" dirty="0"/>
-              <a:t>Salida con activación</a:t>
-            </a:r>
-          </a:p>
-          <a:p>
-            <a:r>
-              <a:rPr lang="es-ES" b="1" dirty="0"/>
-              <a:t>Lineal</a:t>
-            </a:r>
-          </a:p>
-        </p:txBody>
-      </p:sp>
-      <p:sp>
-        <p:nvSpPr>
-          <p:cNvPr id="31" name="CuadroTexto 30">
-            <a:extLst>
-              <a:ext uri="{FF2B5EF4-FFF2-40B4-BE49-F238E27FC236}">
-                <a16:creationId xmlns:a16="http://schemas.microsoft.com/office/drawing/2014/main" id="{94E767AA-54B3-42FF-BD72-146A6EAF5648}"/>
-              </a:ext>
-            </a:extLst>
-          </p:cNvPr>
-          <p:cNvSpPr txBox="1"/>
-          <p:nvPr/>
-        </p:nvSpPr>
-        <p:spPr>
-          <a:xfrm>
-            <a:off x="5259148" y="1891448"/>
-            <a:ext cx="836852" cy="369332"/>
+              <a:rPr lang="es-ES" sz="1600" dirty="0">
+                <a:solidFill>
+                  <a:srgbClr val="4F81BD"/>
+                </a:solidFill>
+                <a:effectLst/>
+                <a:latin typeface="Arial" panose="020B0604020202020204" pitchFamily="34" charset="0"/>
+                <a:ea typeface="Arial" panose="020B0604020202020204" pitchFamily="34" charset="0"/>
+              </a:rPr>
+              <a:t>Master Deep Learning</a:t>
+            </a:r>
+            <a:endParaRPr lang="es-ES" sz="1600" dirty="0"/>
+          </a:p>
+        </p:txBody>
+      </p:sp>
+      <p:sp>
+        <p:nvSpPr>
+          <p:cNvPr id="2" name="Rectangle 2">
+            <a:extLst>
+              <a:ext uri="{FF2B5EF4-FFF2-40B4-BE49-F238E27FC236}">
+                <a16:creationId xmlns:a16="http://schemas.microsoft.com/office/drawing/2014/main" id="{E5640DBE-BBDA-42C4-8BD9-7E755B08B925}"/>
+              </a:ext>
+            </a:extLst>
+          </p:cNvPr>
+          <p:cNvSpPr>
+            <a:spLocks noChangeArrowheads="1"/>
+          </p:cNvSpPr>
+          <p:nvPr/>
+        </p:nvSpPr>
+        <p:spPr bwMode="auto">
+          <a:xfrm>
+            <a:off x="5989320" y="872183"/>
+            <a:ext cx="12192000" cy="0"/>
           </a:xfrm>
           <a:prstGeom prst="rect">
             <a:avLst/>
           </a:prstGeom>
           <a:noFill/>
-        </p:spPr>
-        <p:txBody>
-          <a:bodyPr wrap="square" rtlCol="0">
+          <a:ln>
+            <a:noFill/>
+          </a:ln>
+          <a:effectLst/>
+          <a:extLst>
+            <a:ext uri="{909E8E84-426E-40DD-AFC4-6F175D3DCCD1}">
+              <a14:hiddenFill xmlns:a14="http://schemas.microsoft.com/office/drawing/2010/main">
+                <a:solidFill>
+                  <a:schemeClr val="accent1"/>
+                </a:solidFill>
+              </a14:hiddenFill>
+            </a:ext>
+            <a:ext uri="{91240B29-F687-4F45-9708-019B960494DF}">
+              <a14:hiddenLine xmlns:a14="http://schemas.microsoft.com/office/drawing/2010/main" w="9525">
+                <a:solidFill>
+                  <a:schemeClr val="tx1"/>
+                </a:solidFill>
+                <a:miter lim="800000"/>
+                <a:headEnd/>
+                <a:tailEnd/>
+              </a14:hiddenLine>
+            </a:ext>
+            <a:ext uri="{AF507438-7753-43E0-B8FC-AC1667EBCBE1}">
+              <a14:hiddenEffects xmlns:a14="http://schemas.microsoft.com/office/drawing/2010/main">
+                <a:effectLst>
+                  <a:outerShdw dist="35921" dir="2700000" algn="ctr" rotWithShape="0">
+                    <a:schemeClr val="bg2"/>
+                  </a:outerShdw>
+                </a:effectLst>
+              </a14:hiddenEffects>
+            </a:ext>
+          </a:extLst>
+        </p:spPr>
+        <p:txBody>
+          <a:bodyPr vert="horz" wrap="none" lIns="91440" tIns="45720" rIns="91440" bIns="45720" numCol="1" anchor="ctr" anchorCtr="0" compatLnSpc="1">
+            <a:prstTxWarp prst="textNoShape">
+              <a:avLst/>
+            </a:prstTxWarp>
             <a:spAutoFit/>
           </a:bodyPr>
           <a:lstStyle/>
           <a:p>
-            <a:r>
-              <a:rPr lang="es-ES" dirty="0"/>
-              <a:t>528.01</a:t>
-            </a:r>
-          </a:p>
-        </p:txBody>
-      </p:sp>
-      <p:sp>
-        <p:nvSpPr>
-          <p:cNvPr id="32" name="CuadroTexto 31">
-            <a:extLst>
-              <a:ext uri="{FF2B5EF4-FFF2-40B4-BE49-F238E27FC236}">
-                <a16:creationId xmlns:a16="http://schemas.microsoft.com/office/drawing/2014/main" id="{CEB6F5AC-E156-4F37-B619-01A642F3D555}"/>
-              </a:ext>
-            </a:extLst>
-          </p:cNvPr>
-          <p:cNvSpPr txBox="1"/>
-          <p:nvPr/>
-        </p:nvSpPr>
-        <p:spPr>
-          <a:xfrm>
-            <a:off x="5259148" y="2348648"/>
-            <a:ext cx="836852" cy="369332"/>
-          </a:xfrm>
-          <a:prstGeom prst="rect">
-            <a:avLst/>
-          </a:prstGeom>
-          <a:noFill/>
-        </p:spPr>
-        <p:txBody>
-          <a:bodyPr wrap="square" rtlCol="0">
-            <a:spAutoFit/>
-          </a:bodyPr>
-          <a:lstStyle/>
-          <a:p>
-            <a:r>
-              <a:rPr lang="es-ES" dirty="0"/>
-              <a:t>553.00</a:t>
-            </a:r>
-          </a:p>
-        </p:txBody>
-      </p:sp>
-      <p:sp>
-        <p:nvSpPr>
-          <p:cNvPr id="33" name="CuadroTexto 32">
-            <a:extLst>
-              <a:ext uri="{FF2B5EF4-FFF2-40B4-BE49-F238E27FC236}">
-                <a16:creationId xmlns:a16="http://schemas.microsoft.com/office/drawing/2014/main" id="{C1DA5249-58F4-4F8B-A5A0-4E36054D9ADD}"/>
-              </a:ext>
-            </a:extLst>
-          </p:cNvPr>
-          <p:cNvSpPr txBox="1"/>
-          <p:nvPr/>
-        </p:nvSpPr>
-        <p:spPr>
-          <a:xfrm>
-            <a:off x="5268673" y="2786798"/>
-            <a:ext cx="836852" cy="369332"/>
-          </a:xfrm>
-          <a:prstGeom prst="rect">
-            <a:avLst/>
-          </a:prstGeom>
-          <a:noFill/>
-        </p:spPr>
-        <p:txBody>
-          <a:bodyPr wrap="square" rtlCol="0">
-            <a:spAutoFit/>
-          </a:bodyPr>
-          <a:lstStyle/>
-          <a:p>
-            <a:r>
-              <a:rPr lang="es-ES" dirty="0"/>
-              <a:t>512.54 </a:t>
-            </a:r>
-          </a:p>
-        </p:txBody>
-      </p:sp>
-      <p:sp>
-        <p:nvSpPr>
-          <p:cNvPr id="34" name="CuadroTexto 33">
-            <a:extLst>
-              <a:ext uri="{FF2B5EF4-FFF2-40B4-BE49-F238E27FC236}">
-                <a16:creationId xmlns:a16="http://schemas.microsoft.com/office/drawing/2014/main" id="{D6FA658A-2259-4C63-BD4F-73826E23B2FA}"/>
-              </a:ext>
-            </a:extLst>
-          </p:cNvPr>
-          <p:cNvSpPr txBox="1"/>
-          <p:nvPr/>
-        </p:nvSpPr>
-        <p:spPr>
-          <a:xfrm>
-            <a:off x="5259148" y="3215423"/>
-            <a:ext cx="836852" cy="369332"/>
-          </a:xfrm>
-          <a:prstGeom prst="rect">
-            <a:avLst/>
-          </a:prstGeom>
-          <a:noFill/>
-        </p:spPr>
-        <p:txBody>
-          <a:bodyPr wrap="square" rtlCol="0">
-            <a:spAutoFit/>
-          </a:bodyPr>
-          <a:lstStyle/>
-          <a:p>
-            <a:r>
-              <a:rPr lang="es-ES" dirty="0"/>
-              <a:t>582.60 </a:t>
-            </a:r>
-          </a:p>
-        </p:txBody>
-      </p:sp>
-      <p:sp>
-        <p:nvSpPr>
-          <p:cNvPr id="35" name="CuadroTexto 34">
-            <a:extLst>
-              <a:ext uri="{FF2B5EF4-FFF2-40B4-BE49-F238E27FC236}">
-                <a16:creationId xmlns:a16="http://schemas.microsoft.com/office/drawing/2014/main" id="{5B295DEC-2449-41CB-995F-D6250264AB79}"/>
-              </a:ext>
-            </a:extLst>
-          </p:cNvPr>
-          <p:cNvSpPr txBox="1"/>
-          <p:nvPr/>
-        </p:nvSpPr>
-        <p:spPr>
-          <a:xfrm>
-            <a:off x="5259148" y="3615473"/>
-            <a:ext cx="836852" cy="369332"/>
-          </a:xfrm>
-          <a:prstGeom prst="rect">
-            <a:avLst/>
-          </a:prstGeom>
-          <a:noFill/>
-        </p:spPr>
-        <p:txBody>
-          <a:bodyPr wrap="square" rtlCol="0">
-            <a:spAutoFit/>
-          </a:bodyPr>
-          <a:lstStyle/>
-          <a:p>
-            <a:r>
-              <a:rPr lang="es-ES" dirty="0"/>
-              <a:t>503.00 </a:t>
-            </a:r>
-          </a:p>
-        </p:txBody>
-      </p:sp>
-      <p:sp>
-        <p:nvSpPr>
-          <p:cNvPr id="37" name="CuadroTexto 36">
-            <a:extLst>
-              <a:ext uri="{FF2B5EF4-FFF2-40B4-BE49-F238E27FC236}">
-                <a16:creationId xmlns:a16="http://schemas.microsoft.com/office/drawing/2014/main" id="{0D2508FE-901A-474A-B119-BCFEF9F825B7}"/>
-              </a:ext>
-            </a:extLst>
-          </p:cNvPr>
-          <p:cNvSpPr txBox="1"/>
-          <p:nvPr/>
-        </p:nvSpPr>
-        <p:spPr>
-          <a:xfrm>
-            <a:off x="7613661" y="3457575"/>
-            <a:ext cx="3969230" cy="400110"/>
-          </a:xfrm>
-          <a:prstGeom prst="rect">
-            <a:avLst/>
-          </a:prstGeom>
-          <a:noFill/>
-        </p:spPr>
-        <p:txBody>
-          <a:bodyPr wrap="square" rtlCol="0">
-            <a:spAutoFit/>
-          </a:bodyPr>
-          <a:lstStyle/>
-          <a:p>
-            <a:r>
-              <a:rPr lang="el-GR" sz="2000" b="1" dirty="0"/>
-              <a:t>ε</a:t>
-            </a:r>
-            <a:r>
-              <a:rPr lang="es-ES" sz="2000" b="1" dirty="0"/>
-              <a:t> – </a:t>
-            </a:r>
-            <a:r>
-              <a:rPr lang="es-ES" b="1" dirty="0"/>
-              <a:t>greedy: Exploración vs explotación</a:t>
-            </a:r>
+            <a:endParaRPr lang="es-ES"/>
           </a:p>
         </p:txBody>
       </p:sp>
       <p:pic>
         <p:nvPicPr>
-          <p:cNvPr id="4" name="Imagen 3">
-            <a:extLst>
-              <a:ext uri="{FF2B5EF4-FFF2-40B4-BE49-F238E27FC236}">
-                <a16:creationId xmlns:a16="http://schemas.microsoft.com/office/drawing/2014/main" id="{4C29594F-4682-455E-93A0-CE626FF77A5C}"/>
+          <p:cNvPr id="11" name="Imagen 10">
+            <a:extLst>
+              <a:ext uri="{FF2B5EF4-FFF2-40B4-BE49-F238E27FC236}">
+                <a16:creationId xmlns:a16="http://schemas.microsoft.com/office/drawing/2014/main" id="{26FC918D-9E9D-4723-A244-E57FF0A63C83}"/>
               </a:ext>
             </a:extLst>
           </p:cNvPr>
@@ -9698,25 +9124,167 @@
           <p:nvPr/>
         </p:nvPicPr>
         <p:blipFill>
-          <a:blip r:embed="rId12"/>
+          <a:blip r:embed="rId4"/>
           <a:stretch>
             <a:fillRect/>
           </a:stretch>
         </p:blipFill>
         <p:spPr>
           <a:xfrm>
-            <a:off x="457200" y="4722515"/>
-            <a:ext cx="5717742" cy="1806991"/>
+            <a:off x="5631338" y="1650287"/>
+            <a:ext cx="6242666" cy="2561487"/>
           </a:xfrm>
           <a:prstGeom prst="rect">
             <a:avLst/>
           </a:prstGeom>
         </p:spPr>
       </p:pic>
+      <p:sp>
+        <p:nvSpPr>
+          <p:cNvPr id="13" name="CuadroTexto 12">
+            <a:extLst>
+              <a:ext uri="{FF2B5EF4-FFF2-40B4-BE49-F238E27FC236}">
+                <a16:creationId xmlns:a16="http://schemas.microsoft.com/office/drawing/2014/main" id="{8715AEC9-EDCD-486C-B6B3-5A156F7C51EB}"/>
+              </a:ext>
+            </a:extLst>
+          </p:cNvPr>
+          <p:cNvSpPr txBox="1"/>
+          <p:nvPr/>
+        </p:nvSpPr>
+        <p:spPr>
+          <a:xfrm>
+            <a:off x="4907454" y="547044"/>
+            <a:ext cx="2590626" cy="461665"/>
+          </a:xfrm>
+          <a:prstGeom prst="rect">
+            <a:avLst/>
+          </a:prstGeom>
+          <a:noFill/>
+        </p:spPr>
+        <p:txBody>
+          <a:bodyPr wrap="square" rtlCol="0">
+            <a:spAutoFit/>
+          </a:bodyPr>
+          <a:lstStyle/>
+          <a:p>
+            <a:r>
+              <a:rPr lang="es-ES" sz="2400" b="1" dirty="0"/>
+              <a:t>Acciones: Entorno</a:t>
+            </a:r>
+          </a:p>
+        </p:txBody>
+      </p:sp>
+      <p:sp>
+        <p:nvSpPr>
+          <p:cNvPr id="3" name="CuadroTexto 2">
+            <a:extLst>
+              <a:ext uri="{FF2B5EF4-FFF2-40B4-BE49-F238E27FC236}">
+                <a16:creationId xmlns:a16="http://schemas.microsoft.com/office/drawing/2014/main" id="{F64AC057-662D-4B2D-A741-64E49F110706}"/>
+              </a:ext>
+            </a:extLst>
+          </p:cNvPr>
+          <p:cNvSpPr txBox="1"/>
+          <p:nvPr/>
+        </p:nvSpPr>
+        <p:spPr>
+          <a:xfrm>
+            <a:off x="440675" y="1163364"/>
+            <a:ext cx="4880471" cy="3970318"/>
+          </a:xfrm>
+          <a:prstGeom prst="rect">
+            <a:avLst/>
+          </a:prstGeom>
+          <a:noFill/>
+        </p:spPr>
+        <p:txBody>
+          <a:bodyPr wrap="square" rtlCol="0">
+            <a:spAutoFit/>
+          </a:bodyPr>
+          <a:lstStyle/>
+          <a:p>
+            <a:pPr marL="285750" indent="-285750">
+              <a:buFont typeface="Arial" panose="020B0604020202020204" pitchFamily="34" charset="0"/>
+              <a:buChar char="•"/>
+            </a:pPr>
+            <a:r>
+              <a:rPr lang="es-ES" dirty="0"/>
+              <a:t>El agente transmite al entorno la acción a realizar mediante la función “step” de este</a:t>
+            </a:r>
+          </a:p>
+          <a:p>
+            <a:pPr marL="285750" indent="-285750">
+              <a:buFont typeface="Arial" panose="020B0604020202020204" pitchFamily="34" charset="0"/>
+              <a:buChar char="•"/>
+            </a:pPr>
+            <a:endParaRPr lang="es-ES" dirty="0"/>
+          </a:p>
+          <a:p>
+            <a:pPr marL="285750" indent="-285750">
+              <a:buFont typeface="Arial" panose="020B0604020202020204" pitchFamily="34" charset="0"/>
+              <a:buChar char="•"/>
+            </a:pPr>
+            <a:r>
+              <a:rPr lang="es-ES" dirty="0"/>
+              <a:t>Esta ejecuta la acción en Kubernetes invocando el comando correspondiente</a:t>
+            </a:r>
+          </a:p>
+          <a:p>
+            <a:pPr marL="285750" indent="-285750">
+              <a:buFont typeface="Arial" panose="020B0604020202020204" pitchFamily="34" charset="0"/>
+              <a:buChar char="•"/>
+            </a:pPr>
+            <a:endParaRPr lang="es-ES" dirty="0"/>
+          </a:p>
+          <a:p>
+            <a:pPr marL="285750" indent="-285750">
+              <a:buFont typeface="Arial" panose="020B0604020202020204" pitchFamily="34" charset="0"/>
+              <a:buChar char="•"/>
+            </a:pPr>
+            <a:r>
+              <a:rPr lang="es-ES" dirty="0"/>
+              <a:t>Se hace una espera de 20 segundos para permitir a Kubernetes establecer el nuevo estado</a:t>
+            </a:r>
+          </a:p>
+          <a:p>
+            <a:pPr marL="285750" indent="-285750">
+              <a:buFont typeface="Arial" panose="020B0604020202020204" pitchFamily="34" charset="0"/>
+              <a:buChar char="•"/>
+            </a:pPr>
+            <a:endParaRPr lang="es-ES" dirty="0"/>
+          </a:p>
+          <a:p>
+            <a:pPr marL="285750" indent="-285750">
+              <a:buFont typeface="Arial" panose="020B0604020202020204" pitchFamily="34" charset="0"/>
+              <a:buChar char="•"/>
+            </a:pPr>
+            <a:r>
+              <a:rPr lang="es-ES" dirty="0"/>
+              <a:t>Calcula la recompensa en función del estado y la acción tomada</a:t>
+            </a:r>
+          </a:p>
+          <a:p>
+            <a:pPr marL="285750" indent="-285750">
+              <a:buFont typeface="Arial" panose="020B0604020202020204" pitchFamily="34" charset="0"/>
+              <a:buChar char="•"/>
+            </a:pPr>
+            <a:endParaRPr lang="es-ES" dirty="0"/>
+          </a:p>
+          <a:p>
+            <a:pPr marL="285750" indent="-285750">
+              <a:buFont typeface="Arial" panose="020B0604020202020204" pitchFamily="34" charset="0"/>
+              <a:buChar char="•"/>
+            </a:pPr>
+            <a:r>
+              <a:rPr lang="es-ES" dirty="0"/>
+              <a:t>Devuelve la recompensa y el nuevo estado</a:t>
+            </a:r>
+          </a:p>
+        </p:txBody>
+      </p:sp>
     </p:spTree>
     <p:extLst>
       <p:ext uri="{BB962C8B-B14F-4D97-AF65-F5344CB8AC3E}">
-        <p14:creationId xmlns:p14="http://schemas.microsoft.com/office/powerpoint/2010/main" val="1333816836"/>
+        <p14:creationId xmlns:p14="http://schemas.microsoft.com/office/powerpoint/2010/main" val="1045987835"/>
       </p:ext>
     </p:extLst>
   </p:cSld>

--- a/doc/HPAWithDQN.pptx
+++ b/doc/HPAWithDQN.pptx
@@ -16,8 +16,8 @@
     <p:sldId id="273" r:id="rId10"/>
     <p:sldId id="272" r:id="rId11"/>
     <p:sldId id="265" r:id="rId12"/>
-    <p:sldId id="268" r:id="rId13"/>
-    <p:sldId id="269" r:id="rId14"/>
+    <p:sldId id="269" r:id="rId13"/>
+    <p:sldId id="268" r:id="rId14"/>
     <p:sldId id="270" r:id="rId15"/>
     <p:sldId id="271" r:id="rId16"/>
   </p:sldIdLst>
@@ -273,7 +273,7 @@
           <a:p>
             <a:fld id="{7370A3C4-7F57-42AE-BB28-227D752FA2EE}" type="datetimeFigureOut">
               <a:rPr lang="es-ES" smtClean="0"/>
-              <a:t>04/10/2021</a:t>
+              <a:t>08/10/2021</a:t>
             </a:fld>
             <a:endParaRPr lang="es-ES"/>
           </a:p>
@@ -471,7 +471,7 @@
           <a:p>
             <a:fld id="{7370A3C4-7F57-42AE-BB28-227D752FA2EE}" type="datetimeFigureOut">
               <a:rPr lang="es-ES" smtClean="0"/>
-              <a:t>04/10/2021</a:t>
+              <a:t>08/10/2021</a:t>
             </a:fld>
             <a:endParaRPr lang="es-ES"/>
           </a:p>
@@ -679,7 +679,7 @@
           <a:p>
             <a:fld id="{7370A3C4-7F57-42AE-BB28-227D752FA2EE}" type="datetimeFigureOut">
               <a:rPr lang="es-ES" smtClean="0"/>
-              <a:t>04/10/2021</a:t>
+              <a:t>08/10/2021</a:t>
             </a:fld>
             <a:endParaRPr lang="es-ES"/>
           </a:p>
@@ -877,7 +877,7 @@
           <a:p>
             <a:fld id="{7370A3C4-7F57-42AE-BB28-227D752FA2EE}" type="datetimeFigureOut">
               <a:rPr lang="es-ES" smtClean="0"/>
-              <a:t>04/10/2021</a:t>
+              <a:t>08/10/2021</a:t>
             </a:fld>
             <a:endParaRPr lang="es-ES"/>
           </a:p>
@@ -1152,7 +1152,7 @@
           <a:p>
             <a:fld id="{7370A3C4-7F57-42AE-BB28-227D752FA2EE}" type="datetimeFigureOut">
               <a:rPr lang="es-ES" smtClean="0"/>
-              <a:t>04/10/2021</a:t>
+              <a:t>08/10/2021</a:t>
             </a:fld>
             <a:endParaRPr lang="es-ES"/>
           </a:p>
@@ -1417,7 +1417,7 @@
           <a:p>
             <a:fld id="{7370A3C4-7F57-42AE-BB28-227D752FA2EE}" type="datetimeFigureOut">
               <a:rPr lang="es-ES" smtClean="0"/>
-              <a:t>04/10/2021</a:t>
+              <a:t>08/10/2021</a:t>
             </a:fld>
             <a:endParaRPr lang="es-ES"/>
           </a:p>
@@ -1829,7 +1829,7 @@
           <a:p>
             <a:fld id="{7370A3C4-7F57-42AE-BB28-227D752FA2EE}" type="datetimeFigureOut">
               <a:rPr lang="es-ES" smtClean="0"/>
-              <a:t>04/10/2021</a:t>
+              <a:t>08/10/2021</a:t>
             </a:fld>
             <a:endParaRPr lang="es-ES"/>
           </a:p>
@@ -1970,7 +1970,7 @@
           <a:p>
             <a:fld id="{7370A3C4-7F57-42AE-BB28-227D752FA2EE}" type="datetimeFigureOut">
               <a:rPr lang="es-ES" smtClean="0"/>
-              <a:t>04/10/2021</a:t>
+              <a:t>08/10/2021</a:t>
             </a:fld>
             <a:endParaRPr lang="es-ES"/>
           </a:p>
@@ -2083,7 +2083,7 @@
           <a:p>
             <a:fld id="{7370A3C4-7F57-42AE-BB28-227D752FA2EE}" type="datetimeFigureOut">
               <a:rPr lang="es-ES" smtClean="0"/>
-              <a:t>04/10/2021</a:t>
+              <a:t>08/10/2021</a:t>
             </a:fld>
             <a:endParaRPr lang="es-ES"/>
           </a:p>
@@ -2394,7 +2394,7 @@
           <a:p>
             <a:fld id="{7370A3C4-7F57-42AE-BB28-227D752FA2EE}" type="datetimeFigureOut">
               <a:rPr lang="es-ES" smtClean="0"/>
-              <a:t>04/10/2021</a:t>
+              <a:t>08/10/2021</a:t>
             </a:fld>
             <a:endParaRPr lang="es-ES"/>
           </a:p>
@@ -2682,7 +2682,7 @@
           <a:p>
             <a:fld id="{7370A3C4-7F57-42AE-BB28-227D752FA2EE}" type="datetimeFigureOut">
               <a:rPr lang="es-ES" smtClean="0"/>
-              <a:t>04/10/2021</a:t>
+              <a:t>08/10/2021</a:t>
             </a:fld>
             <a:endParaRPr lang="es-ES"/>
           </a:p>
@@ -2923,7 +2923,7 @@
           <a:p>
             <a:fld id="{7370A3C4-7F57-42AE-BB28-227D752FA2EE}" type="datetimeFigureOut">
               <a:rPr lang="es-ES" smtClean="0"/>
-              <a:t>04/10/2021</a:t>
+              <a:t>08/10/2021</a:t>
             </a:fld>
             <a:endParaRPr lang="es-ES"/>
           </a:p>
@@ -4435,10 +4435,10 @@
       </p:grpSpPr>
       <p:pic>
         <p:nvPicPr>
-          <p:cNvPr id="3" name="Imagen 2" descr="Texto&#10;&#10;Descripción generada automáticamente con confianza media">
-            <a:extLst>
-              <a:ext uri="{FF2B5EF4-FFF2-40B4-BE49-F238E27FC236}">
-                <a16:creationId xmlns:a16="http://schemas.microsoft.com/office/drawing/2014/main" id="{754AE3C4-383D-43E4-9F96-671BD92F6D60}"/>
+          <p:cNvPr id="6" name="Imagen 5" descr="Texto&#10;&#10;Descripción generada automáticamente con confianza media">
+            <a:extLst>
+              <a:ext uri="{FF2B5EF4-FFF2-40B4-BE49-F238E27FC236}">
+                <a16:creationId xmlns:a16="http://schemas.microsoft.com/office/drawing/2014/main" id="{0E2795B9-DD63-4098-AA87-84654EB01C42}"/>
               </a:ext>
             </a:extLst>
           </p:cNvPr>
@@ -4463,10 +4463,10 @@
       </p:pic>
       <p:sp>
         <p:nvSpPr>
-          <p:cNvPr id="4" name="CuadroTexto 3">
-            <a:extLst>
-              <a:ext uri="{FF2B5EF4-FFF2-40B4-BE49-F238E27FC236}">
-                <a16:creationId xmlns:a16="http://schemas.microsoft.com/office/drawing/2014/main" id="{6662040A-7D7A-452C-80DB-ED2163B54FDC}"/>
+          <p:cNvPr id="7" name="CuadroTexto 6">
+            <a:extLst>
+              <a:ext uri="{FF2B5EF4-FFF2-40B4-BE49-F238E27FC236}">
+                <a16:creationId xmlns:a16="http://schemas.microsoft.com/office/drawing/2014/main" id="{00BD2D81-0007-4650-BADA-2B16D0FEDEF7}"/>
               </a:ext>
             </a:extLst>
           </p:cNvPr>
@@ -4506,10 +4506,10 @@
       </p:sp>
       <p:sp>
         <p:nvSpPr>
-          <p:cNvPr id="5" name="CuadroTexto 4">
-            <a:extLst>
-              <a:ext uri="{FF2B5EF4-FFF2-40B4-BE49-F238E27FC236}">
-                <a16:creationId xmlns:a16="http://schemas.microsoft.com/office/drawing/2014/main" id="{5CCAAED5-DB95-467F-B54A-F61DA34388AA}"/>
+          <p:cNvPr id="8" name="CuadroTexto 7">
+            <a:extLst>
+              <a:ext uri="{FF2B5EF4-FFF2-40B4-BE49-F238E27FC236}">
+                <a16:creationId xmlns:a16="http://schemas.microsoft.com/office/drawing/2014/main" id="{9AC12BB4-D2FD-49E3-8B19-3BB7E4187DDF}"/>
               </a:ext>
             </a:extLst>
           </p:cNvPr>
@@ -4518,8 +4518,8 @@
         </p:nvSpPr>
         <p:spPr>
           <a:xfrm>
-            <a:off x="5188945" y="443614"/>
-            <a:ext cx="1531345" cy="461665"/>
+            <a:off x="4572000" y="344461"/>
+            <a:ext cx="2853369" cy="461665"/>
           </a:xfrm>
           <a:prstGeom prst="rect">
             <a:avLst/>
@@ -4534,7 +4534,7 @@
           <a:p>
             <a:r>
               <a:rPr lang="es-ES" sz="2400" b="1" dirty="0"/>
-              <a:t>Ejecución</a:t>
+              <a:t>Prueba Comparativa</a:t>
             </a:r>
           </a:p>
         </p:txBody>
@@ -4544,7 +4544,7 @@
           <p:cNvPr id="2" name="Rectangle 2">
             <a:extLst>
               <a:ext uri="{FF2B5EF4-FFF2-40B4-BE49-F238E27FC236}">
-                <a16:creationId xmlns:a16="http://schemas.microsoft.com/office/drawing/2014/main" id="{D87F829D-0D03-4E65-A6D7-024FA32E92D2}"/>
+                <a16:creationId xmlns:a16="http://schemas.microsoft.com/office/drawing/2014/main" id="{CEDF40EA-4AE4-4F98-BCF9-6651272C933F}"/>
               </a:ext>
             </a:extLst>
           </p:cNvPr>
@@ -4555,7 +4555,7 @@
         </p:nvSpPr>
         <p:spPr bwMode="auto">
           <a:xfrm>
-            <a:off x="424873" y="3158836"/>
+            <a:off x="484742" y="1707615"/>
             <a:ext cx="12192000" cy="0"/>
           </a:xfrm>
           <a:prstGeom prst="rect">
@@ -4610,10 +4610,10 @@
       </p:sp>
       <p:sp>
         <p:nvSpPr>
-          <p:cNvPr id="10" name="CuadroTexto 9">
-            <a:extLst>
-              <a:ext uri="{FF2B5EF4-FFF2-40B4-BE49-F238E27FC236}">
-                <a16:creationId xmlns:a16="http://schemas.microsoft.com/office/drawing/2014/main" id="{8D28D2F4-E222-4E41-9A5B-CE2B6500D775}"/>
+          <p:cNvPr id="11" name="CuadroTexto 10">
+            <a:extLst>
+              <a:ext uri="{FF2B5EF4-FFF2-40B4-BE49-F238E27FC236}">
+                <a16:creationId xmlns:a16="http://schemas.microsoft.com/office/drawing/2014/main" id="{E531E31C-8300-4771-9802-10722A3075A2}"/>
               </a:ext>
             </a:extLst>
           </p:cNvPr>
@@ -4622,43 +4622,8 @@
         </p:nvSpPr>
         <p:spPr>
           <a:xfrm>
-            <a:off x="7923859" y="1265243"/>
-            <a:ext cx="641522" cy="369332"/>
-          </a:xfrm>
-          <a:prstGeom prst="rect">
-            <a:avLst/>
-          </a:prstGeom>
-          <a:noFill/>
-        </p:spPr>
-        <p:txBody>
-          <a:bodyPr wrap="none" rtlCol="0">
-            <a:spAutoFit/>
-          </a:bodyPr>
-          <a:lstStyle/>
-          <a:p>
-            <a:r>
-              <a:rPr lang="es-ES" b="1" dirty="0"/>
-              <a:t>DQN</a:t>
-            </a:r>
-          </a:p>
-        </p:txBody>
-      </p:sp>
-      <p:sp>
-        <p:nvSpPr>
-          <p:cNvPr id="11" name="CuadroTexto 10">
-            <a:extLst>
-              <a:ext uri="{FF2B5EF4-FFF2-40B4-BE49-F238E27FC236}">
-                <a16:creationId xmlns:a16="http://schemas.microsoft.com/office/drawing/2014/main" id="{878912C5-0619-41EC-BF53-31CBCC916FA7}"/>
-              </a:ext>
-            </a:extLst>
-          </p:cNvPr>
-          <p:cNvSpPr txBox="1"/>
-          <p:nvPr/>
-        </p:nvSpPr>
-        <p:spPr>
-          <a:xfrm>
-            <a:off x="1736038" y="1228302"/>
-            <a:ext cx="660336" cy="369332"/>
+            <a:off x="579219" y="1634415"/>
+            <a:ext cx="5073434" cy="2585323"/>
           </a:xfrm>
           <a:prstGeom prst="rect">
             <a:avLst/>
@@ -4671,19 +4636,57 @@
           </a:bodyPr>
           <a:lstStyle/>
           <a:p>
-            <a:r>
-              <a:rPr lang="es-ES" b="1" dirty="0"/>
-              <a:t>HPA</a:t>
+            <a:pPr marL="285750" indent="-285750">
+              <a:buFont typeface="Arial" panose="020B0604020202020204" pitchFamily="34" charset="0"/>
+              <a:buChar char="•"/>
+            </a:pPr>
+            <a:r>
+              <a:rPr lang="es-ES" dirty="0"/>
+              <a:t>Cada hora o media hora, durante los 10 primeros minutos de la hora aplicamos poca carga (1 llamada por minuto)</a:t>
+            </a:r>
+          </a:p>
+          <a:p>
+            <a:pPr marL="285750" indent="-285750">
+              <a:buFont typeface="Arial" panose="020B0604020202020204" pitchFamily="34" charset="0"/>
+              <a:buChar char="•"/>
+            </a:pPr>
+            <a:endParaRPr lang="es-ES" dirty="0"/>
+          </a:p>
+          <a:p>
+            <a:pPr marL="285750" indent="-285750">
+              <a:buFont typeface="Arial" panose="020B0604020202020204" pitchFamily="34" charset="0"/>
+              <a:buChar char="•"/>
+            </a:pPr>
+            <a:r>
+              <a:rPr lang="es-ES" dirty="0"/>
+              <a:t>Los 10 siguientes carga media (una llamada cada décima de segundo)</a:t>
+            </a:r>
+          </a:p>
+          <a:p>
+            <a:pPr marL="285750" indent="-285750">
+              <a:buFont typeface="Arial" panose="020B0604020202020204" pitchFamily="34" charset="0"/>
+              <a:buChar char="•"/>
+            </a:pPr>
+            <a:endParaRPr lang="es-ES" dirty="0"/>
+          </a:p>
+          <a:p>
+            <a:pPr marL="285750" indent="-285750">
+              <a:buFont typeface="Arial" panose="020B0604020202020204" pitchFamily="34" charset="0"/>
+              <a:buChar char="•"/>
+            </a:pPr>
+            <a:r>
+              <a:rPr lang="es-ES" dirty="0"/>
+              <a:t>Los 10 siguientes uso intenso de CPU (1 llamada cada centésima de segundo)</a:t>
             </a:r>
           </a:p>
         </p:txBody>
       </p:sp>
       <p:pic>
         <p:nvPicPr>
-          <p:cNvPr id="8" name="Imagen 7">
-            <a:extLst>
-              <a:ext uri="{FF2B5EF4-FFF2-40B4-BE49-F238E27FC236}">
-                <a16:creationId xmlns:a16="http://schemas.microsoft.com/office/drawing/2014/main" id="{AAB48A63-58C1-426D-AAC1-03073EDC9360}"/>
+          <p:cNvPr id="15" name="Imagen 14">
+            <a:extLst>
+              <a:ext uri="{FF2B5EF4-FFF2-40B4-BE49-F238E27FC236}">
+                <a16:creationId xmlns:a16="http://schemas.microsoft.com/office/drawing/2014/main" id="{AD92180A-F4CF-4DD3-BD02-9DE4AC7B1554}"/>
               </a:ext>
             </a:extLst>
           </p:cNvPr>
@@ -4700,20 +4703,216 @@
         </p:blipFill>
         <p:spPr>
           <a:xfrm>
-            <a:off x="641238" y="1791073"/>
-            <a:ext cx="3371850" cy="2876550"/>
+            <a:off x="5841790" y="1484593"/>
+            <a:ext cx="5983426" cy="1726238"/>
           </a:xfrm>
           <a:prstGeom prst="rect">
             <a:avLst/>
           </a:prstGeom>
         </p:spPr>
       </p:pic>
+      <p:sp>
+        <p:nvSpPr>
+          <p:cNvPr id="12" name="CuadroTexto 11">
+            <a:extLst>
+              <a:ext uri="{FF2B5EF4-FFF2-40B4-BE49-F238E27FC236}">
+                <a16:creationId xmlns:a16="http://schemas.microsoft.com/office/drawing/2014/main" id="{8F113DB5-A560-403D-8A65-9EEF3058FBE2}"/>
+              </a:ext>
+            </a:extLst>
+          </p:cNvPr>
+          <p:cNvSpPr txBox="1"/>
+          <p:nvPr/>
+        </p:nvSpPr>
+        <p:spPr>
+          <a:xfrm>
+            <a:off x="9365691" y="3601344"/>
+            <a:ext cx="2253676" cy="2780889"/>
+          </a:xfrm>
+          <a:prstGeom prst="rect">
+            <a:avLst/>
+          </a:prstGeom>
+          <a:noFill/>
+          <a:ln>
+            <a:solidFill>
+              <a:schemeClr val="tx1"/>
+            </a:solidFill>
+          </a:ln>
+        </p:spPr>
+        <p:txBody>
+          <a:bodyPr wrap="square">
+            <a:spAutoFit/>
+          </a:bodyPr>
+          <a:lstStyle/>
+          <a:p>
+            <a:pPr>
+              <a:lnSpc>
+                <a:spcPct val="106000"/>
+              </a:lnSpc>
+              <a:spcAft>
+                <a:spcPts val="800"/>
+              </a:spcAft>
+            </a:pPr>
+            <a:r>
+              <a:rPr lang="es-ES" sz="1600" dirty="0">
+                <a:effectLst/>
+                <a:latin typeface="Calibri" panose="020F0502020204030204" pitchFamily="34" charset="0"/>
+                <a:ea typeface="Calibri" panose="020F0502020204030204" pitchFamily="34" charset="0"/>
+                <a:cs typeface="Times New Roman" panose="02020603050405020304" pitchFamily="18" charset="0"/>
+              </a:rPr>
+              <a:t>&lt;?php</a:t>
+            </a:r>
+          </a:p>
+          <a:p>
+            <a:pPr>
+              <a:lnSpc>
+                <a:spcPct val="106000"/>
+              </a:lnSpc>
+              <a:spcAft>
+                <a:spcPts val="800"/>
+              </a:spcAft>
+            </a:pPr>
+            <a:r>
+              <a:rPr lang="es-ES" sz="1600" dirty="0">
+                <a:effectLst/>
+                <a:latin typeface="Calibri" panose="020F0502020204030204" pitchFamily="34" charset="0"/>
+                <a:ea typeface="Calibri" panose="020F0502020204030204" pitchFamily="34" charset="0"/>
+                <a:cs typeface="Times New Roman" panose="02020603050405020304" pitchFamily="18" charset="0"/>
+              </a:rPr>
+              <a:t>  $x = 0.0001;</a:t>
+            </a:r>
+          </a:p>
+          <a:p>
+            <a:pPr>
+              <a:lnSpc>
+                <a:spcPct val="106000"/>
+              </a:lnSpc>
+              <a:spcAft>
+                <a:spcPts val="800"/>
+              </a:spcAft>
+            </a:pPr>
+            <a:r>
+              <a:rPr lang="es-ES" sz="1600" dirty="0">
+                <a:effectLst/>
+                <a:latin typeface="Calibri" panose="020F0502020204030204" pitchFamily="34" charset="0"/>
+                <a:ea typeface="Calibri" panose="020F0502020204030204" pitchFamily="34" charset="0"/>
+                <a:cs typeface="Times New Roman" panose="02020603050405020304" pitchFamily="18" charset="0"/>
+              </a:rPr>
+              <a:t>  </a:t>
+            </a:r>
+            <a:r>
+              <a:rPr lang="es-ES" sz="1600" dirty="0" err="1">
+                <a:effectLst/>
+                <a:latin typeface="Calibri" panose="020F0502020204030204" pitchFamily="34" charset="0"/>
+                <a:ea typeface="Calibri" panose="020F0502020204030204" pitchFamily="34" charset="0"/>
+                <a:cs typeface="Times New Roman" panose="02020603050405020304" pitchFamily="18" charset="0"/>
+              </a:rPr>
+              <a:t>for</a:t>
+            </a:r>
+            <a:r>
+              <a:rPr lang="es-ES" sz="1600" dirty="0">
+                <a:effectLst/>
+                <a:latin typeface="Calibri" panose="020F0502020204030204" pitchFamily="34" charset="0"/>
+                <a:ea typeface="Calibri" panose="020F0502020204030204" pitchFamily="34" charset="0"/>
+                <a:cs typeface="Times New Roman" panose="02020603050405020304" pitchFamily="18" charset="0"/>
+              </a:rPr>
+              <a:t> ($i = 0; $i &lt;= 1000000; $i++) {</a:t>
+            </a:r>
+          </a:p>
+          <a:p>
+            <a:pPr>
+              <a:lnSpc>
+                <a:spcPct val="106000"/>
+              </a:lnSpc>
+              <a:spcAft>
+                <a:spcPts val="800"/>
+              </a:spcAft>
+            </a:pPr>
+            <a:r>
+              <a:rPr lang="es-ES" sz="1600" dirty="0">
+                <a:effectLst/>
+                <a:latin typeface="Calibri" panose="020F0502020204030204" pitchFamily="34" charset="0"/>
+                <a:ea typeface="Calibri" panose="020F0502020204030204" pitchFamily="34" charset="0"/>
+                <a:cs typeface="Times New Roman" panose="02020603050405020304" pitchFamily="18" charset="0"/>
+              </a:rPr>
+              <a:t>    $x += </a:t>
+            </a:r>
+            <a:r>
+              <a:rPr lang="es-ES" sz="1600" dirty="0" err="1">
+                <a:effectLst/>
+                <a:latin typeface="Calibri" panose="020F0502020204030204" pitchFamily="34" charset="0"/>
+                <a:ea typeface="Calibri" panose="020F0502020204030204" pitchFamily="34" charset="0"/>
+                <a:cs typeface="Times New Roman" panose="02020603050405020304" pitchFamily="18" charset="0"/>
+              </a:rPr>
+              <a:t>sqrt</a:t>
+            </a:r>
+            <a:r>
+              <a:rPr lang="es-ES" sz="1600" dirty="0">
+                <a:effectLst/>
+                <a:latin typeface="Calibri" panose="020F0502020204030204" pitchFamily="34" charset="0"/>
+                <a:ea typeface="Calibri" panose="020F0502020204030204" pitchFamily="34" charset="0"/>
+                <a:cs typeface="Times New Roman" panose="02020603050405020304" pitchFamily="18" charset="0"/>
+              </a:rPr>
+              <a:t>($x);</a:t>
+            </a:r>
+          </a:p>
+          <a:p>
+            <a:pPr>
+              <a:lnSpc>
+                <a:spcPct val="106000"/>
+              </a:lnSpc>
+              <a:spcAft>
+                <a:spcPts val="800"/>
+              </a:spcAft>
+            </a:pPr>
+            <a:r>
+              <a:rPr lang="es-ES" sz="1600" dirty="0">
+                <a:effectLst/>
+                <a:latin typeface="Calibri" panose="020F0502020204030204" pitchFamily="34" charset="0"/>
+                <a:ea typeface="Calibri" panose="020F0502020204030204" pitchFamily="34" charset="0"/>
+                <a:cs typeface="Times New Roman" panose="02020603050405020304" pitchFamily="18" charset="0"/>
+              </a:rPr>
+              <a:t>  }</a:t>
+            </a:r>
+          </a:p>
+          <a:p>
+            <a:pPr>
+              <a:lnSpc>
+                <a:spcPct val="106000"/>
+              </a:lnSpc>
+              <a:spcAft>
+                <a:spcPts val="800"/>
+              </a:spcAft>
+            </a:pPr>
+            <a:r>
+              <a:rPr lang="es-ES" sz="1600" dirty="0">
+                <a:effectLst/>
+                <a:latin typeface="Calibri" panose="020F0502020204030204" pitchFamily="34" charset="0"/>
+                <a:ea typeface="Calibri" panose="020F0502020204030204" pitchFamily="34" charset="0"/>
+                <a:cs typeface="Times New Roman" panose="02020603050405020304" pitchFamily="18" charset="0"/>
+              </a:rPr>
+              <a:t>  echo "OK!";</a:t>
+            </a:r>
+          </a:p>
+          <a:p>
+            <a:r>
+              <a:rPr lang="es-ES" sz="1600" dirty="0">
+                <a:effectLst/>
+                <a:latin typeface="Calibri" panose="020F0502020204030204" pitchFamily="34" charset="0"/>
+                <a:ea typeface="Calibri" panose="020F0502020204030204" pitchFamily="34" charset="0"/>
+                <a:cs typeface="Times New Roman" panose="02020603050405020304" pitchFamily="18" charset="0"/>
+              </a:rPr>
+              <a:t>?&gt;</a:t>
+            </a:r>
+            <a:endParaRPr lang="es-ES" sz="1600" dirty="0"/>
+          </a:p>
+        </p:txBody>
+      </p:sp>
       <p:pic>
         <p:nvPicPr>
-          <p:cNvPr id="13" name="Imagen 12">
-            <a:extLst>
-              <a:ext uri="{FF2B5EF4-FFF2-40B4-BE49-F238E27FC236}">
-                <a16:creationId xmlns:a16="http://schemas.microsoft.com/office/drawing/2014/main" id="{4B4489F8-3716-497C-98E2-5B3EB5D0667C}"/>
+          <p:cNvPr id="14" name="Imagen 13">
+            <a:extLst>
+              <a:ext uri="{FF2B5EF4-FFF2-40B4-BE49-F238E27FC236}">
+                <a16:creationId xmlns:a16="http://schemas.microsoft.com/office/drawing/2014/main" id="{0EC460B0-12E2-4E8E-9CE5-B82A9869F23E}"/>
               </a:ext>
             </a:extLst>
           </p:cNvPr>
@@ -4730,88 +4929,18 @@
         </p:blipFill>
         <p:spPr>
           <a:xfrm>
-            <a:off x="4832639" y="1764584"/>
-            <a:ext cx="7181850" cy="4086225"/>
+            <a:off x="397142" y="4810291"/>
+            <a:ext cx="8499736" cy="1126232"/>
           </a:xfrm>
           <a:prstGeom prst="rect">
             <a:avLst/>
           </a:prstGeom>
         </p:spPr>
       </p:pic>
-      <p:sp>
-        <p:nvSpPr>
-          <p:cNvPr id="6" name="CuadroTexto 5">
-            <a:extLst>
-              <a:ext uri="{FF2B5EF4-FFF2-40B4-BE49-F238E27FC236}">
-                <a16:creationId xmlns:a16="http://schemas.microsoft.com/office/drawing/2014/main" id="{DBD0FA1D-4E42-445A-A511-B4EE1B2B3F53}"/>
-              </a:ext>
-            </a:extLst>
-          </p:cNvPr>
-          <p:cNvSpPr txBox="1"/>
-          <p:nvPr/>
-        </p:nvSpPr>
-        <p:spPr>
-          <a:xfrm>
-            <a:off x="720436" y="5043055"/>
-            <a:ext cx="3292652" cy="1200329"/>
-          </a:xfrm>
-          <a:prstGeom prst="rect">
-            <a:avLst/>
-          </a:prstGeom>
-          <a:noFill/>
-        </p:spPr>
-        <p:txBody>
-          <a:bodyPr wrap="square" rtlCol="0">
-            <a:spAutoFit/>
-          </a:bodyPr>
-          <a:lstStyle/>
-          <a:p>
-            <a:r>
-              <a:rPr lang="es-ES" dirty="0"/>
-              <a:t>Leemos el estado cada cierto número de segundos para comprobar cómo está actuando el HPA</a:t>
-            </a:r>
-          </a:p>
-        </p:txBody>
-      </p:sp>
-      <p:sp>
-        <p:nvSpPr>
-          <p:cNvPr id="12" name="CuadroTexto 11">
-            <a:extLst>
-              <a:ext uri="{FF2B5EF4-FFF2-40B4-BE49-F238E27FC236}">
-                <a16:creationId xmlns:a16="http://schemas.microsoft.com/office/drawing/2014/main" id="{CB871C0B-DEEE-48A5-A00C-C4BAF51E521B}"/>
-              </a:ext>
-            </a:extLst>
-          </p:cNvPr>
-          <p:cNvSpPr txBox="1"/>
-          <p:nvPr/>
-        </p:nvSpPr>
-        <p:spPr>
-          <a:xfrm>
-            <a:off x="4756727" y="5980545"/>
-            <a:ext cx="7257761" cy="369332"/>
-          </a:xfrm>
-          <a:prstGeom prst="rect">
-            <a:avLst/>
-          </a:prstGeom>
-          <a:noFill/>
-        </p:spPr>
-        <p:txBody>
-          <a:bodyPr wrap="square" rtlCol="0">
-            <a:spAutoFit/>
-          </a:bodyPr>
-          <a:lstStyle/>
-          <a:p>
-            <a:r>
-              <a:rPr lang="es-ES" dirty="0"/>
-              <a:t>Básicamente el mismo código pero sin la parte de entrenamiento del agente</a:t>
-            </a:r>
-          </a:p>
-        </p:txBody>
-      </p:sp>
     </p:spTree>
     <p:extLst>
       <p:ext uri="{BB962C8B-B14F-4D97-AF65-F5344CB8AC3E}">
-        <p14:creationId xmlns:p14="http://schemas.microsoft.com/office/powerpoint/2010/main" val="3481283892"/>
+        <p14:creationId xmlns:p14="http://schemas.microsoft.com/office/powerpoint/2010/main" val="2953845717"/>
       </p:ext>
     </p:extLst>
   </p:cSld>
@@ -4840,10 +4969,10 @@
       </p:grpSpPr>
       <p:pic>
         <p:nvPicPr>
-          <p:cNvPr id="6" name="Imagen 5" descr="Texto&#10;&#10;Descripción generada automáticamente con confianza media">
-            <a:extLst>
-              <a:ext uri="{FF2B5EF4-FFF2-40B4-BE49-F238E27FC236}">
-                <a16:creationId xmlns:a16="http://schemas.microsoft.com/office/drawing/2014/main" id="{0E2795B9-DD63-4098-AA87-84654EB01C42}"/>
+          <p:cNvPr id="3" name="Imagen 2" descr="Texto&#10;&#10;Descripción generada automáticamente con confianza media">
+            <a:extLst>
+              <a:ext uri="{FF2B5EF4-FFF2-40B4-BE49-F238E27FC236}">
+                <a16:creationId xmlns:a16="http://schemas.microsoft.com/office/drawing/2014/main" id="{754AE3C4-383D-43E4-9F96-671BD92F6D60}"/>
               </a:ext>
             </a:extLst>
           </p:cNvPr>
@@ -4868,10 +4997,10 @@
       </p:pic>
       <p:sp>
         <p:nvSpPr>
-          <p:cNvPr id="7" name="CuadroTexto 6">
-            <a:extLst>
-              <a:ext uri="{FF2B5EF4-FFF2-40B4-BE49-F238E27FC236}">
-                <a16:creationId xmlns:a16="http://schemas.microsoft.com/office/drawing/2014/main" id="{00BD2D81-0007-4650-BADA-2B16D0FEDEF7}"/>
+          <p:cNvPr id="4" name="CuadroTexto 3">
+            <a:extLst>
+              <a:ext uri="{FF2B5EF4-FFF2-40B4-BE49-F238E27FC236}">
+                <a16:creationId xmlns:a16="http://schemas.microsoft.com/office/drawing/2014/main" id="{6662040A-7D7A-452C-80DB-ED2163B54FDC}"/>
               </a:ext>
             </a:extLst>
           </p:cNvPr>
@@ -4911,10 +5040,10 @@
       </p:sp>
       <p:sp>
         <p:nvSpPr>
-          <p:cNvPr id="8" name="CuadroTexto 7">
-            <a:extLst>
-              <a:ext uri="{FF2B5EF4-FFF2-40B4-BE49-F238E27FC236}">
-                <a16:creationId xmlns:a16="http://schemas.microsoft.com/office/drawing/2014/main" id="{9AC12BB4-D2FD-49E3-8B19-3BB7E4187DDF}"/>
+          <p:cNvPr id="5" name="CuadroTexto 4">
+            <a:extLst>
+              <a:ext uri="{FF2B5EF4-FFF2-40B4-BE49-F238E27FC236}">
+                <a16:creationId xmlns:a16="http://schemas.microsoft.com/office/drawing/2014/main" id="{5CCAAED5-DB95-467F-B54A-F61DA34388AA}"/>
               </a:ext>
             </a:extLst>
           </p:cNvPr>
@@ -4923,8 +5052,8 @@
         </p:nvSpPr>
         <p:spPr>
           <a:xfrm>
-            <a:off x="4572000" y="344461"/>
-            <a:ext cx="2853369" cy="461665"/>
+            <a:off x="2918690" y="443614"/>
+            <a:ext cx="5772727" cy="461665"/>
           </a:xfrm>
           <a:prstGeom prst="rect">
             <a:avLst/>
@@ -4939,7 +5068,7 @@
           <a:p>
             <a:r>
               <a:rPr lang="es-ES" sz="2400" b="1" dirty="0"/>
-              <a:t>Prueba Comparativa</a:t>
+              <a:t>Ejecución HPA y Agente durante la prueba</a:t>
             </a:r>
           </a:p>
         </p:txBody>
@@ -4949,7 +5078,7 @@
           <p:cNvPr id="2" name="Rectangle 2">
             <a:extLst>
               <a:ext uri="{FF2B5EF4-FFF2-40B4-BE49-F238E27FC236}">
-                <a16:creationId xmlns:a16="http://schemas.microsoft.com/office/drawing/2014/main" id="{CEDF40EA-4AE4-4F98-BCF9-6651272C933F}"/>
+                <a16:creationId xmlns:a16="http://schemas.microsoft.com/office/drawing/2014/main" id="{D87F829D-0D03-4E65-A6D7-024FA32E92D2}"/>
               </a:ext>
             </a:extLst>
           </p:cNvPr>
@@ -4960,7 +5089,7 @@
         </p:nvSpPr>
         <p:spPr bwMode="auto">
           <a:xfrm>
-            <a:off x="484742" y="1707615"/>
+            <a:off x="424873" y="3158836"/>
             <a:ext cx="12192000" cy="0"/>
           </a:xfrm>
           <a:prstGeom prst="rect">
@@ -5015,10 +5144,45 @@
       </p:sp>
       <p:sp>
         <p:nvSpPr>
+          <p:cNvPr id="10" name="CuadroTexto 9">
+            <a:extLst>
+              <a:ext uri="{FF2B5EF4-FFF2-40B4-BE49-F238E27FC236}">
+                <a16:creationId xmlns:a16="http://schemas.microsoft.com/office/drawing/2014/main" id="{8D28D2F4-E222-4E41-9A5B-CE2B6500D775}"/>
+              </a:ext>
+            </a:extLst>
+          </p:cNvPr>
+          <p:cNvSpPr txBox="1"/>
+          <p:nvPr/>
+        </p:nvSpPr>
+        <p:spPr>
+          <a:xfrm>
+            <a:off x="7923859" y="1265243"/>
+            <a:ext cx="641522" cy="369332"/>
+          </a:xfrm>
+          <a:prstGeom prst="rect">
+            <a:avLst/>
+          </a:prstGeom>
+          <a:noFill/>
+        </p:spPr>
+        <p:txBody>
+          <a:bodyPr wrap="none" rtlCol="0">
+            <a:spAutoFit/>
+          </a:bodyPr>
+          <a:lstStyle/>
+          <a:p>
+            <a:r>
+              <a:rPr lang="es-ES" b="1" dirty="0"/>
+              <a:t>DQN</a:t>
+            </a:r>
+          </a:p>
+        </p:txBody>
+      </p:sp>
+      <p:sp>
+        <p:nvSpPr>
           <p:cNvPr id="11" name="CuadroTexto 10">
             <a:extLst>
               <a:ext uri="{FF2B5EF4-FFF2-40B4-BE49-F238E27FC236}">
-                <a16:creationId xmlns:a16="http://schemas.microsoft.com/office/drawing/2014/main" id="{E531E31C-8300-4771-9802-10722A3075A2}"/>
+                <a16:creationId xmlns:a16="http://schemas.microsoft.com/office/drawing/2014/main" id="{878912C5-0619-41EC-BF53-31CBCC916FA7}"/>
               </a:ext>
             </a:extLst>
           </p:cNvPr>
@@ -5027,8 +5191,8 @@
         </p:nvSpPr>
         <p:spPr>
           <a:xfrm>
-            <a:off x="579219" y="1634415"/>
-            <a:ext cx="5073434" cy="2585323"/>
+            <a:off x="1736038" y="1228302"/>
+            <a:ext cx="660336" cy="369332"/>
           </a:xfrm>
           <a:prstGeom prst="rect">
             <a:avLst/>
@@ -5041,57 +5205,19 @@
           </a:bodyPr>
           <a:lstStyle/>
           <a:p>
-            <a:pPr marL="285750" indent="-285750">
-              <a:buFont typeface="Arial" panose="020B0604020202020204" pitchFamily="34" charset="0"/>
-              <a:buChar char="•"/>
-            </a:pPr>
-            <a:r>
-              <a:rPr lang="es-ES" dirty="0"/>
-              <a:t>Cada hora o media hora, durante los 10 primeros minutos de la hora aplicamos poca carga (1 llamada por minuto)</a:t>
-            </a:r>
-          </a:p>
-          <a:p>
-            <a:pPr marL="285750" indent="-285750">
-              <a:buFont typeface="Arial" panose="020B0604020202020204" pitchFamily="34" charset="0"/>
-              <a:buChar char="•"/>
-            </a:pPr>
-            <a:endParaRPr lang="es-ES" dirty="0"/>
-          </a:p>
-          <a:p>
-            <a:pPr marL="285750" indent="-285750">
-              <a:buFont typeface="Arial" panose="020B0604020202020204" pitchFamily="34" charset="0"/>
-              <a:buChar char="•"/>
-            </a:pPr>
-            <a:r>
-              <a:rPr lang="es-ES" dirty="0"/>
-              <a:t>Los 10 siguientes carga media (una llamada cada décima de segundo)</a:t>
-            </a:r>
-          </a:p>
-          <a:p>
-            <a:pPr marL="285750" indent="-285750">
-              <a:buFont typeface="Arial" panose="020B0604020202020204" pitchFamily="34" charset="0"/>
-              <a:buChar char="•"/>
-            </a:pPr>
-            <a:endParaRPr lang="es-ES" dirty="0"/>
-          </a:p>
-          <a:p>
-            <a:pPr marL="285750" indent="-285750">
-              <a:buFont typeface="Arial" panose="020B0604020202020204" pitchFamily="34" charset="0"/>
-              <a:buChar char="•"/>
-            </a:pPr>
-            <a:r>
-              <a:rPr lang="es-ES" dirty="0"/>
-              <a:t>Los 10 siguientes uso intenso de CPU (1 llamada cada centésima de segundo)</a:t>
+            <a:r>
+              <a:rPr lang="es-ES" b="1" dirty="0"/>
+              <a:t>HPA</a:t>
             </a:r>
           </a:p>
         </p:txBody>
       </p:sp>
       <p:pic>
         <p:nvPicPr>
-          <p:cNvPr id="15" name="Imagen 14">
-            <a:extLst>
-              <a:ext uri="{FF2B5EF4-FFF2-40B4-BE49-F238E27FC236}">
-                <a16:creationId xmlns:a16="http://schemas.microsoft.com/office/drawing/2014/main" id="{AD92180A-F4CF-4DD3-BD02-9DE4AC7B1554}"/>
+          <p:cNvPr id="8" name="Imagen 7">
+            <a:extLst>
+              <a:ext uri="{FF2B5EF4-FFF2-40B4-BE49-F238E27FC236}">
+                <a16:creationId xmlns:a16="http://schemas.microsoft.com/office/drawing/2014/main" id="{AAB48A63-58C1-426D-AAC1-03073EDC9360}"/>
               </a:ext>
             </a:extLst>
           </p:cNvPr>
@@ -5108,216 +5234,20 @@
         </p:blipFill>
         <p:spPr>
           <a:xfrm>
-            <a:off x="5841790" y="1484593"/>
-            <a:ext cx="5983426" cy="1726238"/>
+            <a:off x="641238" y="1791073"/>
+            <a:ext cx="3371850" cy="2876550"/>
           </a:xfrm>
           <a:prstGeom prst="rect">
             <a:avLst/>
           </a:prstGeom>
         </p:spPr>
       </p:pic>
-      <p:sp>
-        <p:nvSpPr>
-          <p:cNvPr id="12" name="CuadroTexto 11">
-            <a:extLst>
-              <a:ext uri="{FF2B5EF4-FFF2-40B4-BE49-F238E27FC236}">
-                <a16:creationId xmlns:a16="http://schemas.microsoft.com/office/drawing/2014/main" id="{8F113DB5-A560-403D-8A65-9EEF3058FBE2}"/>
-              </a:ext>
-            </a:extLst>
-          </p:cNvPr>
-          <p:cNvSpPr txBox="1"/>
-          <p:nvPr/>
-        </p:nvSpPr>
-        <p:spPr>
-          <a:xfrm>
-            <a:off x="9365691" y="3601344"/>
-            <a:ext cx="2253676" cy="2780889"/>
-          </a:xfrm>
-          <a:prstGeom prst="rect">
-            <a:avLst/>
-          </a:prstGeom>
-          <a:noFill/>
-          <a:ln>
-            <a:solidFill>
-              <a:schemeClr val="tx1"/>
-            </a:solidFill>
-          </a:ln>
-        </p:spPr>
-        <p:txBody>
-          <a:bodyPr wrap="square">
-            <a:spAutoFit/>
-          </a:bodyPr>
-          <a:lstStyle/>
-          <a:p>
-            <a:pPr>
-              <a:lnSpc>
-                <a:spcPct val="106000"/>
-              </a:lnSpc>
-              <a:spcAft>
-                <a:spcPts val="800"/>
-              </a:spcAft>
-            </a:pPr>
-            <a:r>
-              <a:rPr lang="es-ES" sz="1600" dirty="0">
-                <a:effectLst/>
-                <a:latin typeface="Calibri" panose="020F0502020204030204" pitchFamily="34" charset="0"/>
-                <a:ea typeface="Calibri" panose="020F0502020204030204" pitchFamily="34" charset="0"/>
-                <a:cs typeface="Times New Roman" panose="02020603050405020304" pitchFamily="18" charset="0"/>
-              </a:rPr>
-              <a:t>&lt;?php</a:t>
-            </a:r>
-          </a:p>
-          <a:p>
-            <a:pPr>
-              <a:lnSpc>
-                <a:spcPct val="106000"/>
-              </a:lnSpc>
-              <a:spcAft>
-                <a:spcPts val="800"/>
-              </a:spcAft>
-            </a:pPr>
-            <a:r>
-              <a:rPr lang="es-ES" sz="1600" dirty="0">
-                <a:effectLst/>
-                <a:latin typeface="Calibri" panose="020F0502020204030204" pitchFamily="34" charset="0"/>
-                <a:ea typeface="Calibri" panose="020F0502020204030204" pitchFamily="34" charset="0"/>
-                <a:cs typeface="Times New Roman" panose="02020603050405020304" pitchFamily="18" charset="0"/>
-              </a:rPr>
-              <a:t>  $x = 0.0001;</a:t>
-            </a:r>
-          </a:p>
-          <a:p>
-            <a:pPr>
-              <a:lnSpc>
-                <a:spcPct val="106000"/>
-              </a:lnSpc>
-              <a:spcAft>
-                <a:spcPts val="800"/>
-              </a:spcAft>
-            </a:pPr>
-            <a:r>
-              <a:rPr lang="es-ES" sz="1600" dirty="0">
-                <a:effectLst/>
-                <a:latin typeface="Calibri" panose="020F0502020204030204" pitchFamily="34" charset="0"/>
-                <a:ea typeface="Calibri" panose="020F0502020204030204" pitchFamily="34" charset="0"/>
-                <a:cs typeface="Times New Roman" panose="02020603050405020304" pitchFamily="18" charset="0"/>
-              </a:rPr>
-              <a:t>  </a:t>
-            </a:r>
-            <a:r>
-              <a:rPr lang="es-ES" sz="1600" dirty="0" err="1">
-                <a:effectLst/>
-                <a:latin typeface="Calibri" panose="020F0502020204030204" pitchFamily="34" charset="0"/>
-                <a:ea typeface="Calibri" panose="020F0502020204030204" pitchFamily="34" charset="0"/>
-                <a:cs typeface="Times New Roman" panose="02020603050405020304" pitchFamily="18" charset="0"/>
-              </a:rPr>
-              <a:t>for</a:t>
-            </a:r>
-            <a:r>
-              <a:rPr lang="es-ES" sz="1600" dirty="0">
-                <a:effectLst/>
-                <a:latin typeface="Calibri" panose="020F0502020204030204" pitchFamily="34" charset="0"/>
-                <a:ea typeface="Calibri" panose="020F0502020204030204" pitchFamily="34" charset="0"/>
-                <a:cs typeface="Times New Roman" panose="02020603050405020304" pitchFamily="18" charset="0"/>
-              </a:rPr>
-              <a:t> ($i = 0; $i &lt;= 1000000; $i++) {</a:t>
-            </a:r>
-          </a:p>
-          <a:p>
-            <a:pPr>
-              <a:lnSpc>
-                <a:spcPct val="106000"/>
-              </a:lnSpc>
-              <a:spcAft>
-                <a:spcPts val="800"/>
-              </a:spcAft>
-            </a:pPr>
-            <a:r>
-              <a:rPr lang="es-ES" sz="1600" dirty="0">
-                <a:effectLst/>
-                <a:latin typeface="Calibri" panose="020F0502020204030204" pitchFamily="34" charset="0"/>
-                <a:ea typeface="Calibri" panose="020F0502020204030204" pitchFamily="34" charset="0"/>
-                <a:cs typeface="Times New Roman" panose="02020603050405020304" pitchFamily="18" charset="0"/>
-              </a:rPr>
-              <a:t>    $x += </a:t>
-            </a:r>
-            <a:r>
-              <a:rPr lang="es-ES" sz="1600" dirty="0" err="1">
-                <a:effectLst/>
-                <a:latin typeface="Calibri" panose="020F0502020204030204" pitchFamily="34" charset="0"/>
-                <a:ea typeface="Calibri" panose="020F0502020204030204" pitchFamily="34" charset="0"/>
-                <a:cs typeface="Times New Roman" panose="02020603050405020304" pitchFamily="18" charset="0"/>
-              </a:rPr>
-              <a:t>sqrt</a:t>
-            </a:r>
-            <a:r>
-              <a:rPr lang="es-ES" sz="1600" dirty="0">
-                <a:effectLst/>
-                <a:latin typeface="Calibri" panose="020F0502020204030204" pitchFamily="34" charset="0"/>
-                <a:ea typeface="Calibri" panose="020F0502020204030204" pitchFamily="34" charset="0"/>
-                <a:cs typeface="Times New Roman" panose="02020603050405020304" pitchFamily="18" charset="0"/>
-              </a:rPr>
-              <a:t>($x);</a:t>
-            </a:r>
-          </a:p>
-          <a:p>
-            <a:pPr>
-              <a:lnSpc>
-                <a:spcPct val="106000"/>
-              </a:lnSpc>
-              <a:spcAft>
-                <a:spcPts val="800"/>
-              </a:spcAft>
-            </a:pPr>
-            <a:r>
-              <a:rPr lang="es-ES" sz="1600" dirty="0">
-                <a:effectLst/>
-                <a:latin typeface="Calibri" panose="020F0502020204030204" pitchFamily="34" charset="0"/>
-                <a:ea typeface="Calibri" panose="020F0502020204030204" pitchFamily="34" charset="0"/>
-                <a:cs typeface="Times New Roman" panose="02020603050405020304" pitchFamily="18" charset="0"/>
-              </a:rPr>
-              <a:t>  }</a:t>
-            </a:r>
-          </a:p>
-          <a:p>
-            <a:pPr>
-              <a:lnSpc>
-                <a:spcPct val="106000"/>
-              </a:lnSpc>
-              <a:spcAft>
-                <a:spcPts val="800"/>
-              </a:spcAft>
-            </a:pPr>
-            <a:r>
-              <a:rPr lang="es-ES" sz="1600" dirty="0">
-                <a:effectLst/>
-                <a:latin typeface="Calibri" panose="020F0502020204030204" pitchFamily="34" charset="0"/>
-                <a:ea typeface="Calibri" panose="020F0502020204030204" pitchFamily="34" charset="0"/>
-                <a:cs typeface="Times New Roman" panose="02020603050405020304" pitchFamily="18" charset="0"/>
-              </a:rPr>
-              <a:t>  echo "OK!";</a:t>
-            </a:r>
-          </a:p>
-          <a:p>
-            <a:r>
-              <a:rPr lang="es-ES" sz="1600" dirty="0">
-                <a:effectLst/>
-                <a:latin typeface="Calibri" panose="020F0502020204030204" pitchFamily="34" charset="0"/>
-                <a:ea typeface="Calibri" panose="020F0502020204030204" pitchFamily="34" charset="0"/>
-                <a:cs typeface="Times New Roman" panose="02020603050405020304" pitchFamily="18" charset="0"/>
-              </a:rPr>
-              <a:t>?&gt;</a:t>
-            </a:r>
-            <a:endParaRPr lang="es-ES" sz="1600" dirty="0"/>
-          </a:p>
-        </p:txBody>
-      </p:sp>
       <p:pic>
         <p:nvPicPr>
-          <p:cNvPr id="14" name="Imagen 13">
-            <a:extLst>
-              <a:ext uri="{FF2B5EF4-FFF2-40B4-BE49-F238E27FC236}">
-                <a16:creationId xmlns:a16="http://schemas.microsoft.com/office/drawing/2014/main" id="{0EC460B0-12E2-4E8E-9CE5-B82A9869F23E}"/>
+          <p:cNvPr id="13" name="Imagen 12">
+            <a:extLst>
+              <a:ext uri="{FF2B5EF4-FFF2-40B4-BE49-F238E27FC236}">
+                <a16:creationId xmlns:a16="http://schemas.microsoft.com/office/drawing/2014/main" id="{4B4489F8-3716-497C-98E2-5B3EB5D0667C}"/>
               </a:ext>
             </a:extLst>
           </p:cNvPr>
@@ -5334,18 +5264,88 @@
         </p:blipFill>
         <p:spPr>
           <a:xfrm>
-            <a:off x="397142" y="4810291"/>
-            <a:ext cx="8499736" cy="1126232"/>
+            <a:off x="4832639" y="1764584"/>
+            <a:ext cx="7181850" cy="4086225"/>
           </a:xfrm>
           <a:prstGeom prst="rect">
             <a:avLst/>
           </a:prstGeom>
         </p:spPr>
       </p:pic>
+      <p:sp>
+        <p:nvSpPr>
+          <p:cNvPr id="6" name="CuadroTexto 5">
+            <a:extLst>
+              <a:ext uri="{FF2B5EF4-FFF2-40B4-BE49-F238E27FC236}">
+                <a16:creationId xmlns:a16="http://schemas.microsoft.com/office/drawing/2014/main" id="{DBD0FA1D-4E42-445A-A511-B4EE1B2B3F53}"/>
+              </a:ext>
+            </a:extLst>
+          </p:cNvPr>
+          <p:cNvSpPr txBox="1"/>
+          <p:nvPr/>
+        </p:nvSpPr>
+        <p:spPr>
+          <a:xfrm>
+            <a:off x="720436" y="5043055"/>
+            <a:ext cx="3292652" cy="1200329"/>
+          </a:xfrm>
+          <a:prstGeom prst="rect">
+            <a:avLst/>
+          </a:prstGeom>
+          <a:noFill/>
+        </p:spPr>
+        <p:txBody>
+          <a:bodyPr wrap="square" rtlCol="0">
+            <a:spAutoFit/>
+          </a:bodyPr>
+          <a:lstStyle/>
+          <a:p>
+            <a:r>
+              <a:rPr lang="es-ES" dirty="0"/>
+              <a:t>Leemos el estado cada cierto número de segundos para comprobar cómo está actuando el HPA</a:t>
+            </a:r>
+          </a:p>
+        </p:txBody>
+      </p:sp>
+      <p:sp>
+        <p:nvSpPr>
+          <p:cNvPr id="12" name="CuadroTexto 11">
+            <a:extLst>
+              <a:ext uri="{FF2B5EF4-FFF2-40B4-BE49-F238E27FC236}">
+                <a16:creationId xmlns:a16="http://schemas.microsoft.com/office/drawing/2014/main" id="{CB871C0B-DEEE-48A5-A00C-C4BAF51E521B}"/>
+              </a:ext>
+            </a:extLst>
+          </p:cNvPr>
+          <p:cNvSpPr txBox="1"/>
+          <p:nvPr/>
+        </p:nvSpPr>
+        <p:spPr>
+          <a:xfrm>
+            <a:off x="4756727" y="5980545"/>
+            <a:ext cx="7257761" cy="646331"/>
+          </a:xfrm>
+          <a:prstGeom prst="rect">
+            <a:avLst/>
+          </a:prstGeom>
+          <a:noFill/>
+        </p:spPr>
+        <p:txBody>
+          <a:bodyPr wrap="square" rtlCol="0">
+            <a:spAutoFit/>
+          </a:bodyPr>
+          <a:lstStyle/>
+          <a:p>
+            <a:r>
+              <a:rPr lang="es-ES" dirty="0"/>
+              <a:t>Básicamente el mismo código pero sin la parte de entrenamiento del agente y con la inicialización del modelo obtenido previamente</a:t>
+            </a:r>
+          </a:p>
+        </p:txBody>
+      </p:sp>
     </p:spTree>
     <p:extLst>
       <p:ext uri="{BB962C8B-B14F-4D97-AF65-F5344CB8AC3E}">
-        <p14:creationId xmlns:p14="http://schemas.microsoft.com/office/powerpoint/2010/main" val="2953845717"/>
+        <p14:creationId xmlns:p14="http://schemas.microsoft.com/office/powerpoint/2010/main" val="3481283892"/>
       </p:ext>
     </p:extLst>
   </p:cSld>
